--- a/PPT/EMCAScript6.pptx
+++ b/PPT/EMCAScript6.pptx
@@ -5,10 +5,10 @@
     <p:sldMasterId id="2147483648" r:id="rId1"/>
   </p:sldMasterIdLst>
   <p:notesMasterIdLst>
-    <p:notesMasterId r:id="rId9"/>
+    <p:notesMasterId r:id="rId18"/>
   </p:notesMasterIdLst>
   <p:handoutMasterIdLst>
-    <p:handoutMasterId r:id="rId10"/>
+    <p:handoutMasterId r:id="rId19"/>
   </p:handoutMasterIdLst>
   <p:sldIdLst>
     <p:sldId id="256" r:id="rId2"/>
@@ -18,6 +18,15 @@
     <p:sldId id="260" r:id="rId6"/>
     <p:sldId id="261" r:id="rId7"/>
     <p:sldId id="262" r:id="rId8"/>
+    <p:sldId id="263" r:id="rId9"/>
+    <p:sldId id="264" r:id="rId10"/>
+    <p:sldId id="265" r:id="rId11"/>
+    <p:sldId id="266" r:id="rId12"/>
+    <p:sldId id="267" r:id="rId13"/>
+    <p:sldId id="268" r:id="rId14"/>
+    <p:sldId id="269" r:id="rId15"/>
+    <p:sldId id="270" r:id="rId16"/>
+    <p:sldId id="271" r:id="rId17"/>
   </p:sldIdLst>
   <p:sldSz cx="12192000" cy="6858000"/>
   <p:notesSz cx="6858000" cy="9144000"/>
@@ -251,7 +260,7 @@
           <a:p>
             <a:fld id="{19584E2E-1566-44D8-B819-47C38A71787C}" type="datetimeFigureOut">
               <a:rPr lang="zh-CN" altLang="en-US" smtClean="0"/>
-              <a:t>2017/5/31</a:t>
+              <a:t>2017/6/1</a:t>
             </a:fld>
             <a:endParaRPr lang="zh-CN" altLang="en-US"/>
           </a:p>
@@ -385,14 +394,14 @@
           <a:effectLst/>
           <a:extLst>
             <a:ext uri="{909E8E84-426E-40dd-AFC4-6F175D3DCCD1}">
-              <a14:hiddenFill xmlns:a14="http://schemas.microsoft.com/office/drawing/2010/main" xmlns="">
+              <a14:hiddenFill xmlns="" xmlns:a14="http://schemas.microsoft.com/office/drawing/2010/main">
                 <a:solidFill>
                   <a:schemeClr val="accent1"/>
                 </a:solidFill>
               </a14:hiddenFill>
             </a:ext>
             <a:ext uri="{91240B29-F687-4f45-9708-019B960494DF}">
-              <a14:hiddenLine xmlns:a14="http://schemas.microsoft.com/office/drawing/2010/main" xmlns="" w="9525">
+              <a14:hiddenLine xmlns="" xmlns:a14="http://schemas.microsoft.com/office/drawing/2010/main" w="9525">
                 <a:solidFill>
                   <a:schemeClr val="tx1"/>
                 </a:solidFill>
@@ -402,7 +411,7 @@
               </a14:hiddenLine>
             </a:ext>
             <a:ext uri="{AF507438-7753-43e0-B8FC-AC1667EBCBE1}">
-              <a14:hiddenEffects xmlns:a14="http://schemas.microsoft.com/office/drawing/2010/main" xmlns="">
+              <a14:hiddenEffects xmlns="" xmlns:a14="http://schemas.microsoft.com/office/drawing/2010/main">
                 <a:effectLst>
                   <a:outerShdw dist="35921" dir="2700000" algn="ctr" rotWithShape="0">
                     <a:schemeClr val="bg2"/>
@@ -453,14 +462,14 @@
           <a:effectLst/>
           <a:extLst>
             <a:ext uri="{909E8E84-426E-40dd-AFC4-6F175D3DCCD1}">
-              <a14:hiddenFill xmlns:a14="http://schemas.microsoft.com/office/drawing/2010/main" xmlns="">
+              <a14:hiddenFill xmlns="" xmlns:a14="http://schemas.microsoft.com/office/drawing/2010/main">
                 <a:solidFill>
                   <a:schemeClr val="accent1"/>
                 </a:solidFill>
               </a14:hiddenFill>
             </a:ext>
             <a:ext uri="{91240B29-F687-4f45-9708-019B960494DF}">
-              <a14:hiddenLine xmlns:a14="http://schemas.microsoft.com/office/drawing/2010/main" xmlns="" w="9525">
+              <a14:hiddenLine xmlns="" xmlns:a14="http://schemas.microsoft.com/office/drawing/2010/main" w="9525">
                 <a:solidFill>
                   <a:schemeClr val="tx1"/>
                 </a:solidFill>
@@ -470,7 +479,7 @@
               </a14:hiddenLine>
             </a:ext>
             <a:ext uri="{AF507438-7753-43e0-B8FC-AC1667EBCBE1}">
-              <a14:hiddenEffects xmlns:a14="http://schemas.microsoft.com/office/drawing/2010/main" xmlns="">
+              <a14:hiddenEffects xmlns="" xmlns:a14="http://schemas.microsoft.com/office/drawing/2010/main">
                 <a:effectLst>
                   <a:outerShdw dist="35921" dir="2700000" algn="ctr" rotWithShape="0">
                     <a:schemeClr val="bg2"/>
@@ -526,7 +535,7 @@
           <a:effectLst/>
           <a:extLst>
             <a:ext uri="{AF507438-7753-43e0-B8FC-AC1667EBCBE1}">
-              <a14:hiddenEffects xmlns:a14="http://schemas.microsoft.com/office/drawing/2010/main" xmlns="">
+              <a14:hiddenEffects xmlns="" xmlns:a14="http://schemas.microsoft.com/office/drawing/2010/main">
                 <a:effectLst>
                   <a:outerShdw dist="35921" dir="2700000" algn="ctr" rotWithShape="0">
                     <a:srgbClr val="808080"/>
@@ -535,7 +544,7 @@
               </a14:hiddenEffects>
             </a:ext>
             <a:ext uri="{53640926-AAD7-44d8-BBD7-CCE9431645EC}">
-              <a14:shadowObscured xmlns:a14="http://schemas.microsoft.com/office/drawing/2010/main" xmlns="" val="1"/>
+              <a14:shadowObscured xmlns="" xmlns:a14="http://schemas.microsoft.com/office/drawing/2010/main" val="1"/>
             </a:ext>
           </a:extLst>
         </p:spPr>
@@ -565,14 +574,14 @@
           <a:effectLst/>
           <a:extLst>
             <a:ext uri="{909E8E84-426E-40dd-AFC4-6F175D3DCCD1}">
-              <a14:hiddenFill xmlns:a14="http://schemas.microsoft.com/office/drawing/2010/main" xmlns="">
+              <a14:hiddenFill xmlns="" xmlns:a14="http://schemas.microsoft.com/office/drawing/2010/main">
                 <a:solidFill>
                   <a:schemeClr val="accent1"/>
                 </a:solidFill>
               </a14:hiddenFill>
             </a:ext>
             <a:ext uri="{91240B29-F687-4f45-9708-019B960494DF}">
-              <a14:hiddenLine xmlns:a14="http://schemas.microsoft.com/office/drawing/2010/main" xmlns="" w="9525">
+              <a14:hiddenLine xmlns="" xmlns:a14="http://schemas.microsoft.com/office/drawing/2010/main" w="9525">
                 <a:solidFill>
                   <a:schemeClr val="tx1"/>
                 </a:solidFill>
@@ -582,7 +591,7 @@
               </a14:hiddenLine>
             </a:ext>
             <a:ext uri="{AF507438-7753-43e0-B8FC-AC1667EBCBE1}">
-              <a14:hiddenEffects xmlns:a14="http://schemas.microsoft.com/office/drawing/2010/main" xmlns="">
+              <a14:hiddenEffects xmlns="" xmlns:a14="http://schemas.microsoft.com/office/drawing/2010/main">
                 <a:effectLst>
                   <a:outerShdw dist="35921" dir="2700000" algn="ctr" rotWithShape="0">
                     <a:schemeClr val="bg2"/>
@@ -661,14 +670,14 @@
           <a:effectLst/>
           <a:extLst>
             <a:ext uri="{909E8E84-426E-40dd-AFC4-6F175D3DCCD1}">
-              <a14:hiddenFill xmlns:a14="http://schemas.microsoft.com/office/drawing/2010/main" xmlns="">
+              <a14:hiddenFill xmlns="" xmlns:a14="http://schemas.microsoft.com/office/drawing/2010/main">
                 <a:solidFill>
                   <a:schemeClr val="accent1"/>
                 </a:solidFill>
               </a14:hiddenFill>
             </a:ext>
             <a:ext uri="{91240B29-F687-4f45-9708-019B960494DF}">
-              <a14:hiddenLine xmlns:a14="http://schemas.microsoft.com/office/drawing/2010/main" xmlns="" w="9525">
+              <a14:hiddenLine xmlns="" xmlns:a14="http://schemas.microsoft.com/office/drawing/2010/main" w="9525">
                 <a:solidFill>
                   <a:schemeClr val="tx1"/>
                 </a:solidFill>
@@ -678,7 +687,7 @@
               </a14:hiddenLine>
             </a:ext>
             <a:ext uri="{AF507438-7753-43e0-B8FC-AC1667EBCBE1}">
-              <a14:hiddenEffects xmlns:a14="http://schemas.microsoft.com/office/drawing/2010/main" xmlns="">
+              <a14:hiddenEffects xmlns="" xmlns:a14="http://schemas.microsoft.com/office/drawing/2010/main">
                 <a:effectLst>
                   <a:outerShdw dist="35921" dir="2700000" algn="ctr" rotWithShape="0">
                     <a:schemeClr val="bg2"/>
@@ -729,14 +738,14 @@
           <a:effectLst/>
           <a:extLst>
             <a:ext uri="{909E8E84-426E-40dd-AFC4-6F175D3DCCD1}">
-              <a14:hiddenFill xmlns:a14="http://schemas.microsoft.com/office/drawing/2010/main" xmlns="">
+              <a14:hiddenFill xmlns="" xmlns:a14="http://schemas.microsoft.com/office/drawing/2010/main">
                 <a:solidFill>
                   <a:schemeClr val="accent1"/>
                 </a:solidFill>
               </a14:hiddenFill>
             </a:ext>
             <a:ext uri="{91240B29-F687-4f45-9708-019B960494DF}">
-              <a14:hiddenLine xmlns:a14="http://schemas.microsoft.com/office/drawing/2010/main" xmlns="" w="9525">
+              <a14:hiddenLine xmlns="" xmlns:a14="http://schemas.microsoft.com/office/drawing/2010/main" w="9525">
                 <a:solidFill>
                   <a:schemeClr val="tx1"/>
                 </a:solidFill>
@@ -746,7 +755,7 @@
               </a14:hiddenLine>
             </a:ext>
             <a:ext uri="{AF507438-7753-43e0-B8FC-AC1667EBCBE1}">
-              <a14:hiddenEffects xmlns:a14="http://schemas.microsoft.com/office/drawing/2010/main" xmlns="">
+              <a14:hiddenEffects xmlns="" xmlns:a14="http://schemas.microsoft.com/office/drawing/2010/main">
                 <a:effectLst>
                   <a:outerShdw dist="35921" dir="2700000" algn="ctr" rotWithShape="0">
                     <a:schemeClr val="bg2"/>
@@ -955,7 +964,7 @@
           <a:effectLst/>
           <a:extLst>
             <a:ext uri="{91240B29-F687-4f45-9708-019B960494DF}">
-              <a14:hiddenLine xmlns:a14="http://schemas.microsoft.com/office/drawing/2010/main" xmlns="" w="9525">
+              <a14:hiddenLine xmlns="" xmlns:a14="http://schemas.microsoft.com/office/drawing/2010/main" w="9525">
                 <a:solidFill>
                   <a:schemeClr val="tx1"/>
                 </a:solidFill>
@@ -965,7 +974,7 @@
               </a14:hiddenLine>
             </a:ext>
             <a:ext uri="{AF507438-7753-43e0-B8FC-AC1667EBCBE1}">
-              <a14:hiddenEffects xmlns:a14="http://schemas.microsoft.com/office/drawing/2010/main" xmlns="">
+              <a14:hiddenEffects xmlns="" xmlns:a14="http://schemas.microsoft.com/office/drawing/2010/main">
                 <a:effectLst>
                   <a:outerShdw dist="35921" dir="2700000" algn="ctr" rotWithShape="0">
                     <a:schemeClr val="bg2"/>
@@ -1012,7 +1021,7 @@
           <a:effectLst/>
           <a:extLst>
             <a:ext uri="{91240B29-F687-4f45-9708-019B960494DF}">
-              <a14:hiddenLine xmlns:a14="http://schemas.microsoft.com/office/drawing/2010/main" xmlns="" w="9525">
+              <a14:hiddenLine xmlns="" xmlns:a14="http://schemas.microsoft.com/office/drawing/2010/main" w="9525">
                 <a:solidFill>
                   <a:schemeClr val="tx1"/>
                 </a:solidFill>
@@ -1022,7 +1031,7 @@
               </a14:hiddenLine>
             </a:ext>
             <a:ext uri="{AF507438-7753-43e0-B8FC-AC1667EBCBE1}">
-              <a14:hiddenEffects xmlns:a14="http://schemas.microsoft.com/office/drawing/2010/main" xmlns="">
+              <a14:hiddenEffects xmlns="" xmlns:a14="http://schemas.microsoft.com/office/drawing/2010/main">
                 <a:effectLst>
                   <a:outerShdw dist="35921" dir="2700000" algn="ctr" rotWithShape="0">
                     <a:schemeClr val="bg2"/>
@@ -1069,7 +1078,7 @@
           <a:effectLst/>
           <a:extLst>
             <a:ext uri="{91240B29-F687-4f45-9708-019B960494DF}">
-              <a14:hiddenLine xmlns:a14="http://schemas.microsoft.com/office/drawing/2010/main" xmlns="" w="9525">
+              <a14:hiddenLine xmlns="" xmlns:a14="http://schemas.microsoft.com/office/drawing/2010/main" w="9525">
                 <a:solidFill>
                   <a:schemeClr val="tx1"/>
                 </a:solidFill>
@@ -1079,7 +1088,7 @@
               </a14:hiddenLine>
             </a:ext>
             <a:ext uri="{AF507438-7753-43e0-B8FC-AC1667EBCBE1}">
-              <a14:hiddenEffects xmlns:a14="http://schemas.microsoft.com/office/drawing/2010/main" xmlns="">
+              <a14:hiddenEffects xmlns="" xmlns:a14="http://schemas.microsoft.com/office/drawing/2010/main">
                 <a:effectLst>
                   <a:outerShdw dist="35921" dir="2700000" algn="ctr" rotWithShape="0">
                     <a:schemeClr val="bg2"/>
@@ -1122,7 +1131,7 @@
           <a:effectLst/>
           <a:extLst>
             <a:ext uri="{91240B29-F687-4f45-9708-019B960494DF}">
-              <a14:hiddenLine xmlns:a14="http://schemas.microsoft.com/office/drawing/2010/main" xmlns="" w="9525">
+              <a14:hiddenLine xmlns="" xmlns:a14="http://schemas.microsoft.com/office/drawing/2010/main" w="9525">
                 <a:solidFill>
                   <a:schemeClr val="tx1"/>
                 </a:solidFill>
@@ -1132,7 +1141,7 @@
               </a14:hiddenLine>
             </a:ext>
             <a:ext uri="{AF507438-7753-43e0-B8FC-AC1667EBCBE1}">
-              <a14:hiddenEffects xmlns:a14="http://schemas.microsoft.com/office/drawing/2010/main" xmlns="">
+              <a14:hiddenEffects xmlns="" xmlns:a14="http://schemas.microsoft.com/office/drawing/2010/main">
                 <a:effectLst>
                   <a:outerShdw dist="35921" dir="2700000" algn="ctr" rotWithShape="0">
                     <a:schemeClr val="bg2"/>
@@ -1175,7 +1184,7 @@
           <a:effectLst/>
           <a:extLst>
             <a:ext uri="{91240B29-F687-4f45-9708-019B960494DF}">
-              <a14:hiddenLine xmlns:a14="http://schemas.microsoft.com/office/drawing/2010/main" xmlns="" w="9525">
+              <a14:hiddenLine xmlns="" xmlns:a14="http://schemas.microsoft.com/office/drawing/2010/main" w="9525">
                 <a:solidFill>
                   <a:schemeClr val="tx1"/>
                 </a:solidFill>
@@ -1185,7 +1194,7 @@
               </a14:hiddenLine>
             </a:ext>
             <a:ext uri="{AF507438-7753-43e0-B8FC-AC1667EBCBE1}">
-              <a14:hiddenEffects xmlns:a14="http://schemas.microsoft.com/office/drawing/2010/main" xmlns="">
+              <a14:hiddenEffects xmlns="" xmlns:a14="http://schemas.microsoft.com/office/drawing/2010/main">
                 <a:effectLst>
                   <a:outerShdw dist="35921" dir="2700000" algn="ctr" rotWithShape="0">
                     <a:schemeClr val="bg2"/>
@@ -1228,7 +1237,7 @@
           <a:effectLst/>
           <a:extLst>
             <a:ext uri="{91240B29-F687-4f45-9708-019B960494DF}">
-              <a14:hiddenLine xmlns:a14="http://schemas.microsoft.com/office/drawing/2010/main" xmlns="" w="9525">
+              <a14:hiddenLine xmlns="" xmlns:a14="http://schemas.microsoft.com/office/drawing/2010/main" w="9525">
                 <a:solidFill>
                   <a:schemeClr val="tx1"/>
                 </a:solidFill>
@@ -1238,7 +1247,7 @@
               </a14:hiddenLine>
             </a:ext>
             <a:ext uri="{AF507438-7753-43e0-B8FC-AC1667EBCBE1}">
-              <a14:hiddenEffects xmlns:a14="http://schemas.microsoft.com/office/drawing/2010/main" xmlns="">
+              <a14:hiddenEffects xmlns="" xmlns:a14="http://schemas.microsoft.com/office/drawing/2010/main">
                 <a:effectLst>
                   <a:outerShdw dist="35921" dir="2700000" algn="ctr" rotWithShape="0">
                     <a:schemeClr val="bg2"/>
@@ -1374,7 +1383,7 @@
             <a:effectLst/>
             <a:extLst>
               <a:ext uri="{91240B29-F687-4f45-9708-019B960494DF}">
-                <a14:hiddenLine xmlns:a14="http://schemas.microsoft.com/office/drawing/2010/main" xmlns="" w="9525">
+                <a14:hiddenLine xmlns="" xmlns:a14="http://schemas.microsoft.com/office/drawing/2010/main" w="9525">
                   <a:solidFill>
                     <a:schemeClr val="tx1"/>
                   </a:solidFill>
@@ -1384,7 +1393,7 @@
                 </a14:hiddenLine>
               </a:ext>
               <a:ext uri="{AF507438-7753-43e0-B8FC-AC1667EBCBE1}">
-                <a14:hiddenEffects xmlns:a14="http://schemas.microsoft.com/office/drawing/2010/main" xmlns="">
+                <a14:hiddenEffects xmlns="" xmlns:a14="http://schemas.microsoft.com/office/drawing/2010/main">
                   <a:effectLst>
                     <a:outerShdw dist="35921" dir="2700000" algn="ctr" rotWithShape="0">
                       <a:schemeClr val="bg2"/>
@@ -1504,7 +1513,7 @@
             <a:effectLst/>
             <a:extLst>
               <a:ext uri="{91240B29-F687-4f45-9708-019B960494DF}">
-                <a14:hiddenLine xmlns:a14="http://schemas.microsoft.com/office/drawing/2010/main" xmlns="" w="9525">
+                <a14:hiddenLine xmlns="" xmlns:a14="http://schemas.microsoft.com/office/drawing/2010/main" w="9525">
                   <a:solidFill>
                     <a:schemeClr val="tx1"/>
                   </a:solidFill>
@@ -1514,7 +1523,7 @@
                 </a14:hiddenLine>
               </a:ext>
               <a:ext uri="{AF507438-7753-43e0-B8FC-AC1667EBCBE1}">
-                <a14:hiddenEffects xmlns:a14="http://schemas.microsoft.com/office/drawing/2010/main" xmlns="">
+                <a14:hiddenEffects xmlns="" xmlns:a14="http://schemas.microsoft.com/office/drawing/2010/main">
                   <a:effectLst>
                     <a:outerShdw dist="35921" dir="2700000" algn="ctr" rotWithShape="0">
                       <a:schemeClr val="bg2"/>
@@ -1626,7 +1635,7 @@
             <a:effectLst/>
             <a:extLst>
               <a:ext uri="{91240B29-F687-4f45-9708-019B960494DF}">
-                <a14:hiddenLine xmlns:a14="http://schemas.microsoft.com/office/drawing/2010/main" xmlns="" w="9525">
+                <a14:hiddenLine xmlns="" xmlns:a14="http://schemas.microsoft.com/office/drawing/2010/main" w="9525">
                   <a:solidFill>
                     <a:schemeClr val="tx1"/>
                   </a:solidFill>
@@ -1636,7 +1645,7 @@
                 </a14:hiddenLine>
               </a:ext>
               <a:ext uri="{AF507438-7753-43e0-B8FC-AC1667EBCBE1}">
-                <a14:hiddenEffects xmlns:a14="http://schemas.microsoft.com/office/drawing/2010/main" xmlns="">
+                <a14:hiddenEffects xmlns="" xmlns:a14="http://schemas.microsoft.com/office/drawing/2010/main">
                   <a:effectLst>
                     <a:outerShdw dist="35921" dir="2700000" algn="ctr" rotWithShape="0">
                       <a:schemeClr val="bg2"/>
@@ -8490,7 +8499,7 @@
           <a:effectLst/>
           <a:extLst>
             <a:ext uri="{91240B29-F687-4f45-9708-019B960494DF}">
-              <a14:hiddenLine xmlns:a14="http://schemas.microsoft.com/office/drawing/2010/main" xmlns="" w="9525">
+              <a14:hiddenLine xmlns="" xmlns:a14="http://schemas.microsoft.com/office/drawing/2010/main" w="9525">
                 <a:solidFill>
                   <a:schemeClr val="tx1"/>
                 </a:solidFill>
@@ -8500,7 +8509,7 @@
               </a14:hiddenLine>
             </a:ext>
             <a:ext uri="{AF507438-7753-43e0-B8FC-AC1667EBCBE1}">
-              <a14:hiddenEffects xmlns:a14="http://schemas.microsoft.com/office/drawing/2010/main" xmlns="">
+              <a14:hiddenEffects xmlns="" xmlns:a14="http://schemas.microsoft.com/office/drawing/2010/main">
                 <a:effectLst>
                   <a:outerShdw dist="35921" dir="2700000" algn="ctr" rotWithShape="0">
                     <a:schemeClr val="bg2"/>
@@ -8543,7 +8552,7 @@
           <a:effectLst/>
           <a:extLst>
             <a:ext uri="{91240B29-F687-4f45-9708-019B960494DF}">
-              <a14:hiddenLine xmlns:a14="http://schemas.microsoft.com/office/drawing/2010/main" xmlns="" w="9525">
+              <a14:hiddenLine xmlns="" xmlns:a14="http://schemas.microsoft.com/office/drawing/2010/main" w="9525">
                 <a:solidFill>
                   <a:schemeClr val="tx1"/>
                 </a:solidFill>
@@ -8553,7 +8562,7 @@
               </a14:hiddenLine>
             </a:ext>
             <a:ext uri="{AF507438-7753-43e0-B8FC-AC1667EBCBE1}">
-              <a14:hiddenEffects xmlns:a14="http://schemas.microsoft.com/office/drawing/2010/main" xmlns="">
+              <a14:hiddenEffects xmlns="" xmlns:a14="http://schemas.microsoft.com/office/drawing/2010/main">
                 <a:effectLst>
                   <a:outerShdw dist="35921" dir="2700000" algn="ctr" rotWithShape="0">
                     <a:schemeClr val="bg2"/>
@@ -8689,7 +8698,7 @@
             <a:effectLst/>
             <a:extLst>
               <a:ext uri="{91240B29-F687-4f45-9708-019B960494DF}">
-                <a14:hiddenLine xmlns:a14="http://schemas.microsoft.com/office/drawing/2010/main" xmlns="" w="9525">
+                <a14:hiddenLine xmlns="" xmlns:a14="http://schemas.microsoft.com/office/drawing/2010/main" w="9525">
                   <a:solidFill>
                     <a:schemeClr val="tx1"/>
                   </a:solidFill>
@@ -8699,7 +8708,7 @@
                 </a14:hiddenLine>
               </a:ext>
               <a:ext uri="{AF507438-7753-43e0-B8FC-AC1667EBCBE1}">
-                <a14:hiddenEffects xmlns:a14="http://schemas.microsoft.com/office/drawing/2010/main" xmlns="">
+                <a14:hiddenEffects xmlns="" xmlns:a14="http://schemas.microsoft.com/office/drawing/2010/main">
                   <a:effectLst>
                     <a:outerShdw dist="35921" dir="2700000" algn="ctr" rotWithShape="0">
                       <a:schemeClr val="bg2"/>
@@ -8809,7 +8818,7 @@
             <a:effectLst/>
             <a:extLst>
               <a:ext uri="{91240B29-F687-4f45-9708-019B960494DF}">
-                <a14:hiddenLine xmlns:a14="http://schemas.microsoft.com/office/drawing/2010/main" xmlns="" w="9525">
+                <a14:hiddenLine xmlns="" xmlns:a14="http://schemas.microsoft.com/office/drawing/2010/main" w="9525">
                   <a:solidFill>
                     <a:schemeClr val="tx1"/>
                   </a:solidFill>
@@ -8819,7 +8828,7 @@
                 </a14:hiddenLine>
               </a:ext>
               <a:ext uri="{AF507438-7753-43e0-B8FC-AC1667EBCBE1}">
-                <a14:hiddenEffects xmlns:a14="http://schemas.microsoft.com/office/drawing/2010/main" xmlns="">
+                <a14:hiddenEffects xmlns="" xmlns:a14="http://schemas.microsoft.com/office/drawing/2010/main">
                   <a:effectLst>
                     <a:outerShdw dist="35921" dir="2700000" algn="ctr" rotWithShape="0">
                       <a:schemeClr val="bg2"/>
@@ -8931,7 +8940,7 @@
             <a:effectLst/>
             <a:extLst>
               <a:ext uri="{91240B29-F687-4f45-9708-019B960494DF}">
-                <a14:hiddenLine xmlns:a14="http://schemas.microsoft.com/office/drawing/2010/main" xmlns="" w="9525">
+                <a14:hiddenLine xmlns="" xmlns:a14="http://schemas.microsoft.com/office/drawing/2010/main" w="9525">
                   <a:solidFill>
                     <a:schemeClr val="tx1"/>
                   </a:solidFill>
@@ -8941,7 +8950,7 @@
                 </a14:hiddenLine>
               </a:ext>
               <a:ext uri="{AF507438-7753-43e0-B8FC-AC1667EBCBE1}">
-                <a14:hiddenEffects xmlns:a14="http://schemas.microsoft.com/office/drawing/2010/main" xmlns="">
+                <a14:hiddenEffects xmlns="" xmlns:a14="http://schemas.microsoft.com/office/drawing/2010/main">
                   <a:effectLst>
                     <a:outerShdw dist="35921" dir="2700000" algn="ctr" rotWithShape="0">
                       <a:schemeClr val="bg2"/>
@@ -8985,7 +8994,7 @@
           <a:effectLst/>
           <a:extLst>
             <a:ext uri="{91240B29-F687-4f45-9708-019B960494DF}">
-              <a14:hiddenLine xmlns:a14="http://schemas.microsoft.com/office/drawing/2010/main" xmlns="" w="9525">
+              <a14:hiddenLine xmlns="" xmlns:a14="http://schemas.microsoft.com/office/drawing/2010/main" w="9525">
                 <a:solidFill>
                   <a:schemeClr val="tx1"/>
                 </a:solidFill>
@@ -8995,7 +9004,7 @@
               </a14:hiddenLine>
             </a:ext>
             <a:ext uri="{AF507438-7753-43e0-B8FC-AC1667EBCBE1}">
-              <a14:hiddenEffects xmlns:a14="http://schemas.microsoft.com/office/drawing/2010/main" xmlns="">
+              <a14:hiddenEffects xmlns="" xmlns:a14="http://schemas.microsoft.com/office/drawing/2010/main">
                 <a:effectLst>
                   <a:outerShdw dist="35921" dir="2700000" algn="ctr" rotWithShape="0">
                     <a:schemeClr val="bg2"/>
@@ -9042,7 +9051,7 @@
           <a:effectLst/>
           <a:extLst>
             <a:ext uri="{91240B29-F687-4f45-9708-019B960494DF}">
-              <a14:hiddenLine xmlns:a14="http://schemas.microsoft.com/office/drawing/2010/main" xmlns="" w="9525">
+              <a14:hiddenLine xmlns="" xmlns:a14="http://schemas.microsoft.com/office/drawing/2010/main" w="9525">
                 <a:solidFill>
                   <a:schemeClr val="tx1"/>
                 </a:solidFill>
@@ -9052,7 +9061,7 @@
               </a14:hiddenLine>
             </a:ext>
             <a:ext uri="{AF507438-7753-43e0-B8FC-AC1667EBCBE1}">
-              <a14:hiddenEffects xmlns:a14="http://schemas.microsoft.com/office/drawing/2010/main" xmlns="">
+              <a14:hiddenEffects xmlns="" xmlns:a14="http://schemas.microsoft.com/office/drawing/2010/main">
                 <a:effectLst>
                   <a:outerShdw dist="35921" dir="2700000" algn="ctr" rotWithShape="0">
                     <a:schemeClr val="bg2"/>
@@ -9099,7 +9108,7 @@
           <a:effectLst/>
           <a:extLst>
             <a:ext uri="{91240B29-F687-4f45-9708-019B960494DF}">
-              <a14:hiddenLine xmlns:a14="http://schemas.microsoft.com/office/drawing/2010/main" xmlns="" w="9525">
+              <a14:hiddenLine xmlns="" xmlns:a14="http://schemas.microsoft.com/office/drawing/2010/main" w="9525">
                 <a:solidFill>
                   <a:schemeClr val="tx1"/>
                 </a:solidFill>
@@ -9109,7 +9118,7 @@
               </a14:hiddenLine>
             </a:ext>
             <a:ext uri="{AF507438-7753-43e0-B8FC-AC1667EBCBE1}">
-              <a14:hiddenEffects xmlns:a14="http://schemas.microsoft.com/office/drawing/2010/main" xmlns="">
+              <a14:hiddenEffects xmlns="" xmlns:a14="http://schemas.microsoft.com/office/drawing/2010/main">
                 <a:effectLst>
                   <a:outerShdw dist="35921" dir="2700000" algn="ctr" rotWithShape="0">
                     <a:schemeClr val="bg2"/>
@@ -9152,7 +9161,7 @@
           <a:effectLst/>
           <a:extLst>
             <a:ext uri="{91240B29-F687-4f45-9708-019B960494DF}">
-              <a14:hiddenLine xmlns:a14="http://schemas.microsoft.com/office/drawing/2010/main" xmlns="" w="9525">
+              <a14:hiddenLine xmlns="" xmlns:a14="http://schemas.microsoft.com/office/drawing/2010/main" w="9525">
                 <a:solidFill>
                   <a:schemeClr val="tx1"/>
                 </a:solidFill>
@@ -9162,7 +9171,7 @@
               </a14:hiddenLine>
             </a:ext>
             <a:ext uri="{AF507438-7753-43e0-B8FC-AC1667EBCBE1}">
-              <a14:hiddenEffects xmlns:a14="http://schemas.microsoft.com/office/drawing/2010/main" xmlns="">
+              <a14:hiddenEffects xmlns="" xmlns:a14="http://schemas.microsoft.com/office/drawing/2010/main">
                 <a:effectLst>
                   <a:outerShdw dist="35921" dir="2700000" algn="ctr" rotWithShape="0">
                     <a:schemeClr val="bg2"/>
@@ -9209,7 +9218,7 @@
           <a:effectLst/>
           <a:extLst>
             <a:ext uri="{91240B29-F687-4f45-9708-019B960494DF}">
-              <a14:hiddenLine xmlns:a14="http://schemas.microsoft.com/office/drawing/2010/main" xmlns="" w="9525">
+              <a14:hiddenLine xmlns="" xmlns:a14="http://schemas.microsoft.com/office/drawing/2010/main" w="9525">
                 <a:solidFill>
                   <a:schemeClr val="tx1"/>
                 </a:solidFill>
@@ -9219,7 +9228,7 @@
               </a14:hiddenLine>
             </a:ext>
             <a:ext uri="{AF507438-7753-43e0-B8FC-AC1667EBCBE1}">
-              <a14:hiddenEffects xmlns:a14="http://schemas.microsoft.com/office/drawing/2010/main" xmlns="">
+              <a14:hiddenEffects xmlns="" xmlns:a14="http://schemas.microsoft.com/office/drawing/2010/main">
                 <a:effectLst>
                   <a:outerShdw dist="35921" dir="2700000" algn="ctr" rotWithShape="0">
                     <a:schemeClr val="bg2"/>
@@ -9392,7 +9401,7 @@
           <a:effectLst/>
           <a:extLst>
             <a:ext uri="{91240B29-F687-4f45-9708-019B960494DF}">
-              <a14:hiddenLine xmlns:a14="http://schemas.microsoft.com/office/drawing/2010/main" xmlns="" w="9525">
+              <a14:hiddenLine xmlns="" xmlns:a14="http://schemas.microsoft.com/office/drawing/2010/main" w="9525">
                 <a:solidFill>
                   <a:schemeClr val="tx1"/>
                 </a:solidFill>
@@ -9402,7 +9411,7 @@
               </a14:hiddenLine>
             </a:ext>
             <a:ext uri="{AF507438-7753-43e0-B8FC-AC1667EBCBE1}">
-              <a14:hiddenEffects xmlns:a14="http://schemas.microsoft.com/office/drawing/2010/main" xmlns="">
+              <a14:hiddenEffects xmlns="" xmlns:a14="http://schemas.microsoft.com/office/drawing/2010/main">
                 <a:effectLst>
                   <a:outerShdw dist="35921" dir="2700000" algn="ctr" rotWithShape="0">
                     <a:schemeClr val="bg2"/>
@@ -9452,7 +9461,7 @@
           <a:noFill/>
           <a:extLst>
             <a:ext uri="{909E8E84-426E-40dd-AFC4-6F175D3DCCD1}">
-              <a14:hiddenFill xmlns:a14="http://schemas.microsoft.com/office/drawing/2010/main" xmlns="">
+              <a14:hiddenFill xmlns="" xmlns:a14="http://schemas.microsoft.com/office/drawing/2010/main">
                 <a:solidFill>
                   <a:srgbClr val="FFFFFF"/>
                 </a:solidFill>
@@ -9526,7 +9535,7 @@
           <a:effectLst/>
           <a:extLst>
             <a:ext uri="{91240B29-F687-4f45-9708-019B960494DF}">
-              <a14:hiddenLine xmlns:a14="http://schemas.microsoft.com/office/drawing/2010/main" xmlns="" w="9525">
+              <a14:hiddenLine xmlns="" xmlns:a14="http://schemas.microsoft.com/office/drawing/2010/main" w="9525">
                 <a:solidFill>
                   <a:schemeClr val="tx1"/>
                 </a:solidFill>
@@ -9536,7 +9545,7 @@
               </a14:hiddenLine>
             </a:ext>
             <a:ext uri="{AF507438-7753-43e0-B8FC-AC1667EBCBE1}">
-              <a14:hiddenEffects xmlns:a14="http://schemas.microsoft.com/office/drawing/2010/main" xmlns="">
+              <a14:hiddenEffects xmlns="" xmlns:a14="http://schemas.microsoft.com/office/drawing/2010/main">
                 <a:effectLst>
                   <a:outerShdw dist="35921" dir="2700000" algn="ctr" rotWithShape="0">
                     <a:schemeClr val="bg2"/>
@@ -9556,7 +9565,7 @@
       </p:sp>
       <p:pic>
         <p:nvPicPr>
-          <p:cNvPr id="50" name="图片 49"/>
+          <p:cNvPr id="3" name="图片 2"/>
           <p:cNvPicPr>
             <a:picLocks noChangeAspect="1"/>
           </p:cNvPicPr>
@@ -9576,8 +9585,8 @@
         </p:blipFill>
         <p:spPr>
           <a:xfrm>
-            <a:off x="309035" y="195943"/>
-            <a:ext cx="2768004" cy="270783"/>
+            <a:off x="309033" y="206371"/>
+            <a:ext cx="2454292" cy="320125"/>
           </a:xfrm>
           <a:prstGeom prst="rect">
             <a:avLst/>
@@ -18974,7 +18983,7 @@
           <a:effectLst/>
           <a:extLst>
             <a:ext uri="{91240B29-F687-4f45-9708-019B960494DF}">
-              <a14:hiddenLine xmlns:a14="http://schemas.microsoft.com/office/drawing/2010/main" xmlns="" w="9525">
+              <a14:hiddenLine xmlns="" xmlns:a14="http://schemas.microsoft.com/office/drawing/2010/main" w="9525">
                 <a:solidFill>
                   <a:schemeClr val="tx1"/>
                 </a:solidFill>
@@ -18984,7 +18993,7 @@
               </a14:hiddenLine>
             </a:ext>
             <a:ext uri="{AF507438-7753-43e0-B8FC-AC1667EBCBE1}">
-              <a14:hiddenEffects xmlns:a14="http://schemas.microsoft.com/office/drawing/2010/main" xmlns="">
+              <a14:hiddenEffects xmlns="" xmlns:a14="http://schemas.microsoft.com/office/drawing/2010/main">
                 <a:effectLst>
                   <a:outerShdw dist="35921" dir="2700000" algn="ctr" rotWithShape="0">
                     <a:schemeClr val="bg2"/>
@@ -19094,7 +19103,7 @@
           <a:effectLst/>
           <a:extLst>
             <a:ext uri="{91240B29-F687-4f45-9708-019B960494DF}">
-              <a14:hiddenLine xmlns:a14="http://schemas.microsoft.com/office/drawing/2010/main" xmlns="" w="9525">
+              <a14:hiddenLine xmlns="" xmlns:a14="http://schemas.microsoft.com/office/drawing/2010/main" w="9525">
                 <a:solidFill>
                   <a:schemeClr val="tx1"/>
                 </a:solidFill>
@@ -19104,7 +19113,7 @@
               </a14:hiddenLine>
             </a:ext>
             <a:ext uri="{AF507438-7753-43e0-B8FC-AC1667EBCBE1}">
-              <a14:hiddenEffects xmlns:a14="http://schemas.microsoft.com/office/drawing/2010/main" xmlns="">
+              <a14:hiddenEffects xmlns="" xmlns:a14="http://schemas.microsoft.com/office/drawing/2010/main">
                 <a:effectLst>
                   <a:outerShdw dist="35921" dir="2700000" algn="ctr" rotWithShape="0">
                     <a:schemeClr val="bg2"/>
@@ -19213,7 +19222,7 @@
           <a:effectLst/>
           <a:extLst>
             <a:ext uri="{91240B29-F687-4f45-9708-019B960494DF}">
-              <a14:hiddenLine xmlns:a14="http://schemas.microsoft.com/office/drawing/2010/main" xmlns="" w="9525">
+              <a14:hiddenLine xmlns="" xmlns:a14="http://schemas.microsoft.com/office/drawing/2010/main" w="9525">
                 <a:solidFill>
                   <a:schemeClr val="tx1"/>
                 </a:solidFill>
@@ -19223,7 +19232,7 @@
               </a14:hiddenLine>
             </a:ext>
             <a:ext uri="{AF507438-7753-43e0-B8FC-AC1667EBCBE1}">
-              <a14:hiddenEffects xmlns:a14="http://schemas.microsoft.com/office/drawing/2010/main" xmlns="">
+              <a14:hiddenEffects xmlns="" xmlns:a14="http://schemas.microsoft.com/office/drawing/2010/main">
                 <a:effectLst>
                   <a:outerShdw dist="35921" dir="2700000" algn="ctr" rotWithShape="0">
                     <a:schemeClr val="bg2"/>
@@ -19333,7 +19342,7 @@
           <a:effectLst/>
           <a:extLst>
             <a:ext uri="{91240B29-F687-4f45-9708-019B960494DF}">
-              <a14:hiddenLine xmlns:a14="http://schemas.microsoft.com/office/drawing/2010/main" xmlns="" w="9525">
+              <a14:hiddenLine xmlns="" xmlns:a14="http://schemas.microsoft.com/office/drawing/2010/main" w="9525">
                 <a:solidFill>
                   <a:schemeClr val="tx1"/>
                 </a:solidFill>
@@ -19343,7 +19352,7 @@
               </a14:hiddenLine>
             </a:ext>
             <a:ext uri="{AF507438-7753-43e0-B8FC-AC1667EBCBE1}">
-              <a14:hiddenEffects xmlns:a14="http://schemas.microsoft.com/office/drawing/2010/main" xmlns="">
+              <a14:hiddenEffects xmlns="" xmlns:a14="http://schemas.microsoft.com/office/drawing/2010/main">
                 <a:effectLst>
                   <a:outerShdw dist="35921" dir="2700000" algn="ctr" rotWithShape="0">
                     <a:schemeClr val="bg2"/>
@@ -19465,7 +19474,7 @@
           <a:effectLst/>
           <a:extLst>
             <a:ext uri="{91240B29-F687-4f45-9708-019B960494DF}">
-              <a14:hiddenLine xmlns:a14="http://schemas.microsoft.com/office/drawing/2010/main" xmlns="" w="9525">
+              <a14:hiddenLine xmlns="" xmlns:a14="http://schemas.microsoft.com/office/drawing/2010/main" w="9525">
                 <a:solidFill>
                   <a:schemeClr val="tx1"/>
                 </a:solidFill>
@@ -19475,7 +19484,7 @@
               </a14:hiddenLine>
             </a:ext>
             <a:ext uri="{AF507438-7753-43e0-B8FC-AC1667EBCBE1}">
-              <a14:hiddenEffects xmlns:a14="http://schemas.microsoft.com/office/drawing/2010/main" xmlns="">
+              <a14:hiddenEffects xmlns="" xmlns:a14="http://schemas.microsoft.com/office/drawing/2010/main">
                 <a:effectLst>
                   <a:outerShdw dist="35921" dir="2700000" algn="ctr" rotWithShape="0">
                     <a:schemeClr val="bg2"/>
@@ -19518,7 +19527,7 @@
           <a:effectLst/>
           <a:extLst>
             <a:ext uri="{91240B29-F687-4f45-9708-019B960494DF}">
-              <a14:hiddenLine xmlns:a14="http://schemas.microsoft.com/office/drawing/2010/main" xmlns="" w="9525">
+              <a14:hiddenLine xmlns="" xmlns:a14="http://schemas.microsoft.com/office/drawing/2010/main" w="9525">
                 <a:solidFill>
                   <a:schemeClr val="tx1"/>
                 </a:solidFill>
@@ -19528,7 +19537,7 @@
               </a14:hiddenLine>
             </a:ext>
             <a:ext uri="{AF507438-7753-43e0-B8FC-AC1667EBCBE1}">
-              <a14:hiddenEffects xmlns:a14="http://schemas.microsoft.com/office/drawing/2010/main" xmlns="">
+              <a14:hiddenEffects xmlns="" xmlns:a14="http://schemas.microsoft.com/office/drawing/2010/main">
                 <a:effectLst>
                   <a:outerShdw dist="35921" dir="2700000" algn="ctr" rotWithShape="0">
                     <a:schemeClr val="bg2"/>
@@ -19624,7 +19633,7 @@
           <a:effectLst/>
           <a:extLst>
             <a:ext uri="{91240B29-F687-4f45-9708-019B960494DF}">
-              <a14:hiddenLine xmlns:a14="http://schemas.microsoft.com/office/drawing/2010/main" xmlns="" w="9525">
+              <a14:hiddenLine xmlns="" xmlns:a14="http://schemas.microsoft.com/office/drawing/2010/main" w="9525">
                 <a:solidFill>
                   <a:schemeClr val="tx1"/>
                 </a:solidFill>
@@ -19634,7 +19643,7 @@
               </a14:hiddenLine>
             </a:ext>
             <a:ext uri="{AF507438-7753-43e0-B8FC-AC1667EBCBE1}">
-              <a14:hiddenEffects xmlns:a14="http://schemas.microsoft.com/office/drawing/2010/main" xmlns="">
+              <a14:hiddenEffects xmlns="" xmlns:a14="http://schemas.microsoft.com/office/drawing/2010/main">
                 <a:effectLst>
                   <a:outerShdw dist="35921" dir="2700000" algn="ctr" rotWithShape="0">
                     <a:schemeClr val="bg2"/>
@@ -19677,14 +19686,14 @@
           <a:effectLst/>
           <a:extLst>
             <a:ext uri="{909E8E84-426E-40dd-AFC4-6F175D3DCCD1}">
-              <a14:hiddenFill xmlns:a14="http://schemas.microsoft.com/office/drawing/2010/main" xmlns="">
+              <a14:hiddenFill xmlns="" xmlns:a14="http://schemas.microsoft.com/office/drawing/2010/main">
                 <a:solidFill>
                   <a:schemeClr val="accent1"/>
                 </a:solidFill>
               </a14:hiddenFill>
             </a:ext>
             <a:ext uri="{91240B29-F687-4f45-9708-019B960494DF}">
-              <a14:hiddenLine xmlns:a14="http://schemas.microsoft.com/office/drawing/2010/main" xmlns="" w="9525">
+              <a14:hiddenLine xmlns="" xmlns:a14="http://schemas.microsoft.com/office/drawing/2010/main" w="9525">
                 <a:solidFill>
                   <a:schemeClr val="tx1"/>
                 </a:solidFill>
@@ -19694,7 +19703,7 @@
               </a14:hiddenLine>
             </a:ext>
             <a:ext uri="{AF507438-7753-43e0-B8FC-AC1667EBCBE1}">
-              <a14:hiddenEffects xmlns:a14="http://schemas.microsoft.com/office/drawing/2010/main" xmlns="">
+              <a14:hiddenEffects xmlns="" xmlns:a14="http://schemas.microsoft.com/office/drawing/2010/main">
                 <a:effectLst>
                   <a:outerShdw dist="35921" dir="2700000" algn="ctr" rotWithShape="0">
                     <a:schemeClr val="bg2"/>
@@ -19745,14 +19754,14 @@
           <a:effectLst/>
           <a:extLst>
             <a:ext uri="{909E8E84-426E-40dd-AFC4-6F175D3DCCD1}">
-              <a14:hiddenFill xmlns:a14="http://schemas.microsoft.com/office/drawing/2010/main" xmlns="">
+              <a14:hiddenFill xmlns="" xmlns:a14="http://schemas.microsoft.com/office/drawing/2010/main">
                 <a:solidFill>
                   <a:schemeClr val="accent1"/>
                 </a:solidFill>
               </a14:hiddenFill>
             </a:ext>
             <a:ext uri="{91240B29-F687-4f45-9708-019B960494DF}">
-              <a14:hiddenLine xmlns:a14="http://schemas.microsoft.com/office/drawing/2010/main" xmlns="" w="9525">
+              <a14:hiddenLine xmlns="" xmlns:a14="http://schemas.microsoft.com/office/drawing/2010/main" w="9525">
                 <a:solidFill>
                   <a:schemeClr val="tx1"/>
                 </a:solidFill>
@@ -19762,7 +19771,7 @@
               </a14:hiddenLine>
             </a:ext>
             <a:ext uri="{AF507438-7753-43e0-B8FC-AC1667EBCBE1}">
-              <a14:hiddenEffects xmlns:a14="http://schemas.microsoft.com/office/drawing/2010/main" xmlns="">
+              <a14:hiddenEffects xmlns="" xmlns:a14="http://schemas.microsoft.com/office/drawing/2010/main">
                 <a:effectLst>
                   <a:outerShdw dist="35921" dir="2700000" algn="ctr" rotWithShape="0">
                     <a:schemeClr val="bg2"/>
@@ -19841,14 +19850,14 @@
           <a:effectLst/>
           <a:extLst>
             <a:ext uri="{909E8E84-426E-40dd-AFC4-6F175D3DCCD1}">
-              <a14:hiddenFill xmlns:a14="http://schemas.microsoft.com/office/drawing/2010/main" xmlns="">
+              <a14:hiddenFill xmlns="" xmlns:a14="http://schemas.microsoft.com/office/drawing/2010/main">
                 <a:solidFill>
                   <a:schemeClr val="accent1"/>
                 </a:solidFill>
               </a14:hiddenFill>
             </a:ext>
             <a:ext uri="{91240B29-F687-4f45-9708-019B960494DF}">
-              <a14:hiddenLine xmlns:a14="http://schemas.microsoft.com/office/drawing/2010/main" xmlns="" w="9525">
+              <a14:hiddenLine xmlns="" xmlns:a14="http://schemas.microsoft.com/office/drawing/2010/main" w="9525">
                 <a:solidFill>
                   <a:schemeClr val="tx1"/>
                 </a:solidFill>
@@ -19858,7 +19867,7 @@
               </a14:hiddenLine>
             </a:ext>
             <a:ext uri="{AF507438-7753-43e0-B8FC-AC1667EBCBE1}">
-              <a14:hiddenEffects xmlns:a14="http://schemas.microsoft.com/office/drawing/2010/main" xmlns="">
+              <a14:hiddenEffects xmlns="" xmlns:a14="http://schemas.microsoft.com/office/drawing/2010/main">
                 <a:effectLst>
                   <a:outerShdw dist="35921" dir="2700000" algn="ctr" rotWithShape="0">
                     <a:schemeClr val="bg2"/>
@@ -19914,14 +19923,14 @@
           <a:effectLst/>
           <a:extLst>
             <a:ext uri="{909E8E84-426E-40dd-AFC4-6F175D3DCCD1}">
-              <a14:hiddenFill xmlns:a14="http://schemas.microsoft.com/office/drawing/2010/main" xmlns="">
+              <a14:hiddenFill xmlns="" xmlns:a14="http://schemas.microsoft.com/office/drawing/2010/main">
                 <a:solidFill>
                   <a:schemeClr val="accent1"/>
                 </a:solidFill>
               </a14:hiddenFill>
             </a:ext>
             <a:ext uri="{91240B29-F687-4f45-9708-019B960494DF}">
-              <a14:hiddenLine xmlns:a14="http://schemas.microsoft.com/office/drawing/2010/main" xmlns="" w="9525">
+              <a14:hiddenLine xmlns="" xmlns:a14="http://schemas.microsoft.com/office/drawing/2010/main" w="9525">
                 <a:solidFill>
                   <a:schemeClr val="tx1"/>
                 </a:solidFill>
@@ -19931,7 +19940,7 @@
               </a14:hiddenLine>
             </a:ext>
             <a:ext uri="{AF507438-7753-43e0-B8FC-AC1667EBCBE1}">
-              <a14:hiddenEffects xmlns:a14="http://schemas.microsoft.com/office/drawing/2010/main" xmlns="">
+              <a14:hiddenEffects xmlns="" xmlns:a14="http://schemas.microsoft.com/office/drawing/2010/main">
                 <a:effectLst>
                   <a:outerShdw dist="35921" dir="2700000" algn="ctr" rotWithShape="0">
                     <a:schemeClr val="bg2"/>
@@ -19987,14 +19996,14 @@
           <a:effectLst/>
           <a:extLst>
             <a:ext uri="{909E8E84-426E-40dd-AFC4-6F175D3DCCD1}">
-              <a14:hiddenFill xmlns:a14="http://schemas.microsoft.com/office/drawing/2010/main" xmlns="">
+              <a14:hiddenFill xmlns="" xmlns:a14="http://schemas.microsoft.com/office/drawing/2010/main">
                 <a:solidFill>
                   <a:schemeClr val="accent1"/>
                 </a:solidFill>
               </a14:hiddenFill>
             </a:ext>
             <a:ext uri="{91240B29-F687-4f45-9708-019B960494DF}">
-              <a14:hiddenLine xmlns:a14="http://schemas.microsoft.com/office/drawing/2010/main" xmlns="" w="9525">
+              <a14:hiddenLine xmlns="" xmlns:a14="http://schemas.microsoft.com/office/drawing/2010/main" w="9525">
                 <a:solidFill>
                   <a:schemeClr val="tx1"/>
                 </a:solidFill>
@@ -20004,7 +20013,7 @@
               </a14:hiddenLine>
             </a:ext>
             <a:ext uri="{AF507438-7753-43e0-B8FC-AC1667EBCBE1}">
-              <a14:hiddenEffects xmlns:a14="http://schemas.microsoft.com/office/drawing/2010/main" xmlns="">
+              <a14:hiddenEffects xmlns="" xmlns:a14="http://schemas.microsoft.com/office/drawing/2010/main">
                 <a:effectLst>
                   <a:outerShdw dist="35921" dir="2700000" algn="ctr" rotWithShape="0">
                     <a:schemeClr val="bg2"/>
@@ -20074,7 +20083,7 @@
           <a:effectLst/>
           <a:extLst>
             <a:ext uri="{AF507438-7753-43e0-B8FC-AC1667EBCBE1}">
-              <a14:hiddenEffects xmlns:a14="http://schemas.microsoft.com/office/drawing/2010/main" xmlns="">
+              <a14:hiddenEffects xmlns="" xmlns:a14="http://schemas.microsoft.com/office/drawing/2010/main">
                 <a:effectLst>
                   <a:outerShdw dist="35921" dir="2700000" algn="ctr" rotWithShape="0">
                     <a:schemeClr val="bg2"/>
@@ -20126,7 +20135,7 @@
           <a:effectLst/>
           <a:extLst>
             <a:ext uri="{AF507438-7753-43e0-B8FC-AC1667EBCBE1}">
-              <a14:hiddenEffects xmlns:a14="http://schemas.microsoft.com/office/drawing/2010/main" xmlns="">
+              <a14:hiddenEffects xmlns="" xmlns:a14="http://schemas.microsoft.com/office/drawing/2010/main">
                 <a:effectLst>
                   <a:outerShdw dist="35921" dir="2700000" algn="ctr" rotWithShape="0">
                     <a:schemeClr val="bg2"/>
@@ -20176,7 +20185,7 @@
           <a:effectLst/>
           <a:extLst>
             <a:ext uri="{AF507438-7753-43e0-B8FC-AC1667EBCBE1}">
-              <a14:hiddenEffects xmlns:a14="http://schemas.microsoft.com/office/drawing/2010/main" xmlns="">
+              <a14:hiddenEffects xmlns="" xmlns:a14="http://schemas.microsoft.com/office/drawing/2010/main">
                 <a:effectLst>
                   <a:outerShdw dist="35921" dir="2700000" algn="ctr" rotWithShape="0">
                     <a:schemeClr val="bg2"/>
@@ -20194,6 +20203,36 @@
           </a:p>
         </p:txBody>
       </p:sp>
+      <p:pic>
+        <p:nvPicPr>
+          <p:cNvPr id="3" name="图片 2"/>
+          <p:cNvPicPr>
+            <a:picLocks noChangeAspect="1"/>
+          </p:cNvPicPr>
+          <p:nvPr userDrawn="1"/>
+        </p:nvPicPr>
+        <p:blipFill>
+          <a:blip r:embed="rId16">
+            <a:extLst>
+              <a:ext uri="{28A0092B-C50C-407E-A947-70E740481C1C}">
+                <a14:useLocalDpi xmlns:a14="http://schemas.microsoft.com/office/drawing/2010/main" val="0"/>
+              </a:ext>
+            </a:extLst>
+          </a:blip>
+          <a:stretch>
+            <a:fillRect/>
+          </a:stretch>
+        </p:blipFill>
+        <p:spPr>
+          <a:xfrm>
+            <a:off x="10115175" y="6318088"/>
+            <a:ext cx="1971675" cy="257175"/>
+          </a:xfrm>
+          <a:prstGeom prst="rect">
+            <a:avLst/>
+          </a:prstGeom>
+        </p:spPr>
+      </p:pic>
     </p:spTree>
   </p:cSld>
   <p:clrMap bg1="dk2" tx1="lt1" bg2="dk1" tx2="lt2" accent1="accent1" accent2="accent2" accent3="accent3" accent4="accent4" accent5="accent5" accent6="accent6" hlink="hlink" folHlink="folHlink"/>
@@ -20737,6 +20776,1011 @@
     <p:extLst>
       <p:ext uri="{BB962C8B-B14F-4D97-AF65-F5344CB8AC3E}">
         <p14:creationId xmlns:p14="http://schemas.microsoft.com/office/powerpoint/2010/main" val="2936053672"/>
+      </p:ext>
+    </p:extLst>
+  </p:cSld>
+  <p:clrMapOvr>
+    <a:masterClrMapping/>
+  </p:clrMapOvr>
+</p:sld>
+</file>
+
+<file path=ppt/slides/slide10.xml><?xml version="1.0" encoding="utf-8"?>
+<p:sld xmlns:a="http://schemas.openxmlformats.org/drawingml/2006/main" xmlns:r="http://schemas.openxmlformats.org/officeDocument/2006/relationships" xmlns:p="http://schemas.openxmlformats.org/presentationml/2006/main">
+  <p:cSld>
+    <p:spTree>
+      <p:nvGrpSpPr>
+        <p:cNvPr id="1" name=""/>
+        <p:cNvGrpSpPr/>
+        <p:nvPr/>
+      </p:nvGrpSpPr>
+      <p:grpSpPr>
+        <a:xfrm>
+          <a:off x="0" y="0"/>
+          <a:ext cx="0" cy="0"/>
+          <a:chOff x="0" y="0"/>
+          <a:chExt cx="0" cy="0"/>
+        </a:xfrm>
+      </p:grpSpPr>
+      <p:sp>
+        <p:nvSpPr>
+          <p:cNvPr id="2" name="标题 1"/>
+          <p:cNvSpPr>
+            <a:spLocks noGrp="1"/>
+          </p:cNvSpPr>
+          <p:nvPr>
+            <p:ph type="title"/>
+          </p:nvPr>
+        </p:nvSpPr>
+        <p:spPr/>
+        <p:txBody>
+          <a:bodyPr/>
+          <a:lstStyle/>
+          <a:p>
+            <a:r>
+              <a:rPr lang="en-US" altLang="zh-CN" dirty="0"/>
+              <a:t>let</a:t>
+            </a:r>
+            <a:r>
+              <a:rPr lang="zh-CN" altLang="en-US" dirty="0"/>
+              <a:t>命令</a:t>
+            </a:r>
+          </a:p>
+        </p:txBody>
+      </p:sp>
+      <p:sp>
+        <p:nvSpPr>
+          <p:cNvPr id="3" name="内容占位符 2"/>
+          <p:cNvSpPr>
+            <a:spLocks noGrp="1"/>
+          </p:cNvSpPr>
+          <p:nvPr>
+            <p:ph idx="1"/>
+          </p:nvPr>
+        </p:nvSpPr>
+        <p:spPr/>
+        <p:txBody>
+          <a:bodyPr/>
+          <a:lstStyle/>
+          <a:p>
+            <a:r>
+              <a:rPr lang="zh-CN" altLang="en-US" dirty="0"/>
+              <a:t>暂时性死区</a:t>
+            </a:r>
+            <a:endParaRPr lang="en-US" altLang="zh-CN" dirty="0"/>
+          </a:p>
+          <a:p>
+            <a:pPr lvl="1"/>
+            <a:r>
+              <a:rPr lang="en-US" altLang="zh-CN" dirty="0"/>
+              <a:t>ES6</a:t>
+            </a:r>
+            <a:r>
+              <a:rPr lang="zh-CN" altLang="en-US" dirty="0"/>
+              <a:t>明确规定，如果区块中存在</a:t>
+            </a:r>
+            <a:r>
+              <a:rPr lang="en-US" altLang="zh-CN" dirty="0"/>
+              <a:t>let</a:t>
+            </a:r>
+            <a:r>
+              <a:rPr lang="zh-CN" altLang="en-US" dirty="0"/>
+              <a:t>和</a:t>
+            </a:r>
+            <a:r>
+              <a:rPr lang="en-US" altLang="zh-CN" dirty="0" err="1"/>
+              <a:t>const</a:t>
+            </a:r>
+            <a:r>
+              <a:rPr lang="zh-CN" altLang="en-US" dirty="0"/>
+              <a:t>命令，这个区块对这些命令声明的变量，从一开始就形成了封闭作用域。凡是在声明之前就使用这些变量，就会报错</a:t>
+            </a:r>
+            <a:endParaRPr lang="en-US" altLang="zh-CN" dirty="0"/>
+          </a:p>
+          <a:p>
+            <a:pPr lvl="1"/>
+            <a:r>
+              <a:rPr lang="zh-CN" altLang="en-US" dirty="0"/>
+              <a:t>在代码块内，使用</a:t>
+            </a:r>
+            <a:r>
+              <a:rPr lang="en-US" altLang="zh-CN" dirty="0"/>
+              <a:t>let</a:t>
+            </a:r>
+            <a:r>
+              <a:rPr lang="zh-CN" altLang="en-US" dirty="0"/>
+              <a:t>命令声明变量之前，该变量都是不可用的。这在语法上，称为“暂时性死区”（</a:t>
+            </a:r>
+            <a:r>
+              <a:rPr lang="en-US" altLang="zh-CN" dirty="0"/>
+              <a:t>temporal dead zone</a:t>
+            </a:r>
+            <a:r>
+              <a:rPr lang="zh-CN" altLang="en-US" dirty="0"/>
+              <a:t>，简称 </a:t>
+            </a:r>
+            <a:r>
+              <a:rPr lang="en-US" altLang="zh-CN" dirty="0"/>
+              <a:t>TDZ</a:t>
+            </a:r>
+            <a:r>
+              <a:rPr lang="zh-CN" altLang="en-US" dirty="0"/>
+              <a:t>）</a:t>
+            </a:r>
+          </a:p>
+        </p:txBody>
+      </p:sp>
+      <p:pic>
+        <p:nvPicPr>
+          <p:cNvPr id="5" name="图片 4"/>
+          <p:cNvPicPr>
+            <a:picLocks noChangeAspect="1"/>
+          </p:cNvPicPr>
+          <p:nvPr/>
+        </p:nvPicPr>
+        <p:blipFill>
+          <a:blip r:embed="rId2"/>
+          <a:stretch>
+            <a:fillRect/>
+          </a:stretch>
+        </p:blipFill>
+        <p:spPr>
+          <a:xfrm>
+            <a:off x="3719736" y="4437112"/>
+            <a:ext cx="3807423" cy="1944216"/>
+          </a:xfrm>
+          <a:prstGeom prst="rect">
+            <a:avLst/>
+          </a:prstGeom>
+          <a:ln>
+            <a:noFill/>
+          </a:ln>
+          <a:effectLst>
+            <a:outerShdw blurRad="292100" dist="139700" dir="2700000" algn="tl" rotWithShape="0">
+              <a:srgbClr val="333333">
+                <a:alpha val="65000"/>
+              </a:srgbClr>
+            </a:outerShdw>
+          </a:effectLst>
+        </p:spPr>
+      </p:pic>
+    </p:spTree>
+    <p:extLst>
+      <p:ext uri="{BB962C8B-B14F-4D97-AF65-F5344CB8AC3E}">
+        <p14:creationId xmlns:p14="http://schemas.microsoft.com/office/powerpoint/2010/main" val="2579006676"/>
+      </p:ext>
+    </p:extLst>
+  </p:cSld>
+  <p:clrMapOvr>
+    <a:masterClrMapping/>
+  </p:clrMapOvr>
+</p:sld>
+</file>
+
+<file path=ppt/slides/slide11.xml><?xml version="1.0" encoding="utf-8"?>
+<p:sld xmlns:a="http://schemas.openxmlformats.org/drawingml/2006/main" xmlns:r="http://schemas.openxmlformats.org/officeDocument/2006/relationships" xmlns:p="http://schemas.openxmlformats.org/presentationml/2006/main">
+  <p:cSld>
+    <p:spTree>
+      <p:nvGrpSpPr>
+        <p:cNvPr id="1" name=""/>
+        <p:cNvGrpSpPr/>
+        <p:nvPr/>
+      </p:nvGrpSpPr>
+      <p:grpSpPr>
+        <a:xfrm>
+          <a:off x="0" y="0"/>
+          <a:ext cx="0" cy="0"/>
+          <a:chOff x="0" y="0"/>
+          <a:chExt cx="0" cy="0"/>
+        </a:xfrm>
+      </p:grpSpPr>
+      <p:sp>
+        <p:nvSpPr>
+          <p:cNvPr id="2" name="标题 1"/>
+          <p:cNvSpPr>
+            <a:spLocks noGrp="1"/>
+          </p:cNvSpPr>
+          <p:nvPr>
+            <p:ph type="title"/>
+          </p:nvPr>
+        </p:nvSpPr>
+        <p:spPr/>
+        <p:txBody>
+          <a:bodyPr/>
+          <a:lstStyle/>
+          <a:p>
+            <a:r>
+              <a:rPr lang="en-US" altLang="zh-CN" dirty="0"/>
+              <a:t>let</a:t>
+            </a:r>
+            <a:r>
+              <a:rPr lang="zh-CN" altLang="en-US" dirty="0"/>
+              <a:t>命令</a:t>
+            </a:r>
+          </a:p>
+        </p:txBody>
+      </p:sp>
+      <p:sp>
+        <p:nvSpPr>
+          <p:cNvPr id="3" name="内容占位符 2"/>
+          <p:cNvSpPr>
+            <a:spLocks noGrp="1"/>
+          </p:cNvSpPr>
+          <p:nvPr>
+            <p:ph idx="1"/>
+          </p:nvPr>
+        </p:nvSpPr>
+        <p:spPr/>
+        <p:txBody>
+          <a:bodyPr/>
+          <a:lstStyle/>
+          <a:p>
+            <a:r>
+              <a:rPr lang="zh-CN" altLang="en-US" dirty="0"/>
+              <a:t>不允许重复声明</a:t>
+            </a:r>
+            <a:endParaRPr lang="en-US" altLang="zh-CN" dirty="0"/>
+          </a:p>
+          <a:p>
+            <a:pPr lvl="1"/>
+            <a:r>
+              <a:rPr lang="en-US" altLang="zh-CN" dirty="0"/>
+              <a:t>let</a:t>
+            </a:r>
+            <a:r>
+              <a:rPr lang="zh-CN" altLang="en-US" dirty="0"/>
+              <a:t>不允许在相同作用域内，重复声明同一个变量</a:t>
+            </a:r>
+          </a:p>
+        </p:txBody>
+      </p:sp>
+      <p:pic>
+        <p:nvPicPr>
+          <p:cNvPr id="6" name="图片 5"/>
+          <p:cNvPicPr>
+            <a:picLocks noChangeAspect="1"/>
+          </p:cNvPicPr>
+          <p:nvPr/>
+        </p:nvPicPr>
+        <p:blipFill>
+          <a:blip r:embed="rId2"/>
+          <a:stretch>
+            <a:fillRect/>
+          </a:stretch>
+        </p:blipFill>
+        <p:spPr>
+          <a:xfrm>
+            <a:off x="1869132" y="2636912"/>
+            <a:ext cx="3471180" cy="3672408"/>
+          </a:xfrm>
+          <a:prstGeom prst="rect">
+            <a:avLst/>
+          </a:prstGeom>
+          <a:ln>
+            <a:noFill/>
+          </a:ln>
+          <a:effectLst>
+            <a:outerShdw blurRad="292100" dist="139700" dir="2700000" algn="tl" rotWithShape="0">
+              <a:srgbClr val="333333">
+                <a:alpha val="65000"/>
+              </a:srgbClr>
+            </a:outerShdw>
+          </a:effectLst>
+        </p:spPr>
+      </p:pic>
+      <p:pic>
+        <p:nvPicPr>
+          <p:cNvPr id="7" name="图片 6"/>
+          <p:cNvPicPr>
+            <a:picLocks noChangeAspect="1"/>
+          </p:cNvPicPr>
+          <p:nvPr/>
+        </p:nvPicPr>
+        <p:blipFill>
+          <a:blip r:embed="rId3"/>
+          <a:stretch>
+            <a:fillRect/>
+          </a:stretch>
+        </p:blipFill>
+        <p:spPr>
+          <a:xfrm>
+            <a:off x="6092484" y="2631412"/>
+            <a:ext cx="3565333" cy="3245859"/>
+          </a:xfrm>
+          <a:prstGeom prst="rect">
+            <a:avLst/>
+          </a:prstGeom>
+          <a:ln>
+            <a:noFill/>
+          </a:ln>
+          <a:effectLst>
+            <a:outerShdw blurRad="292100" dist="139700" dir="2700000" algn="tl" rotWithShape="0">
+              <a:srgbClr val="333333">
+                <a:alpha val="65000"/>
+              </a:srgbClr>
+            </a:outerShdw>
+          </a:effectLst>
+        </p:spPr>
+      </p:pic>
+    </p:spTree>
+    <p:extLst>
+      <p:ext uri="{BB962C8B-B14F-4D97-AF65-F5344CB8AC3E}">
+        <p14:creationId xmlns:p14="http://schemas.microsoft.com/office/powerpoint/2010/main" val="1408246878"/>
+      </p:ext>
+    </p:extLst>
+  </p:cSld>
+  <p:clrMapOvr>
+    <a:masterClrMapping/>
+  </p:clrMapOvr>
+</p:sld>
+</file>
+
+<file path=ppt/slides/slide12.xml><?xml version="1.0" encoding="utf-8"?>
+<p:sld xmlns:a="http://schemas.openxmlformats.org/drawingml/2006/main" xmlns:r="http://schemas.openxmlformats.org/officeDocument/2006/relationships" xmlns:p="http://schemas.openxmlformats.org/presentationml/2006/main">
+  <p:cSld>
+    <p:spTree>
+      <p:nvGrpSpPr>
+        <p:cNvPr id="1" name=""/>
+        <p:cNvGrpSpPr/>
+        <p:nvPr/>
+      </p:nvGrpSpPr>
+      <p:grpSpPr>
+        <a:xfrm>
+          <a:off x="0" y="0"/>
+          <a:ext cx="0" cy="0"/>
+          <a:chOff x="0" y="0"/>
+          <a:chExt cx="0" cy="0"/>
+        </a:xfrm>
+      </p:grpSpPr>
+      <p:sp>
+        <p:nvSpPr>
+          <p:cNvPr id="2" name="标题 1"/>
+          <p:cNvSpPr>
+            <a:spLocks noGrp="1"/>
+          </p:cNvSpPr>
+          <p:nvPr>
+            <p:ph type="title"/>
+          </p:nvPr>
+        </p:nvSpPr>
+        <p:spPr/>
+        <p:txBody>
+          <a:bodyPr/>
+          <a:lstStyle/>
+          <a:p>
+            <a:r>
+              <a:rPr lang="zh-CN" altLang="en-US" dirty="0"/>
+              <a:t>块级作用域</a:t>
+            </a:r>
+          </a:p>
+        </p:txBody>
+      </p:sp>
+      <p:sp>
+        <p:nvSpPr>
+          <p:cNvPr id="3" name="内容占位符 2"/>
+          <p:cNvSpPr>
+            <a:spLocks noGrp="1"/>
+          </p:cNvSpPr>
+          <p:nvPr>
+            <p:ph idx="1"/>
+          </p:nvPr>
+        </p:nvSpPr>
+        <p:spPr/>
+        <p:txBody>
+          <a:bodyPr/>
+          <a:lstStyle/>
+          <a:p>
+            <a:r>
+              <a:rPr lang="en-US" altLang="zh-CN" sz="2800" dirty="0"/>
+              <a:t>let</a:t>
+            </a:r>
+            <a:r>
+              <a:rPr lang="zh-CN" altLang="en-US" sz="2800" dirty="0"/>
+              <a:t>命令为 </a:t>
+            </a:r>
+            <a:r>
+              <a:rPr lang="en-US" altLang="zh-CN" sz="2800" dirty="0"/>
+              <a:t>JavaScript </a:t>
+            </a:r>
+            <a:r>
+              <a:rPr lang="zh-CN" altLang="en-US" sz="2800" dirty="0"/>
+              <a:t>新增了块级作用域</a:t>
+            </a:r>
+            <a:endParaRPr lang="en-US" altLang="zh-CN" sz="2800" dirty="0"/>
+          </a:p>
+          <a:p>
+            <a:r>
+              <a:rPr lang="en-US" altLang="zh-CN" sz="2800" dirty="0"/>
+              <a:t>ES6 </a:t>
+            </a:r>
+            <a:r>
+              <a:rPr lang="zh-CN" altLang="en-US" sz="2800" dirty="0"/>
+              <a:t>允许块级作用域的任意嵌套</a:t>
+            </a:r>
+            <a:endParaRPr lang="en-US" altLang="zh-CN" sz="2800" dirty="0"/>
+          </a:p>
+          <a:p>
+            <a:pPr lvl="1"/>
+            <a:r>
+              <a:rPr lang="zh-CN" altLang="en-US" sz="2400" dirty="0"/>
+              <a:t>外层不允许访问内层定义的变量，但内层可以访问外层定义的变量</a:t>
+            </a:r>
+            <a:endParaRPr lang="en-US" altLang="zh-CN" sz="2400" dirty="0"/>
+          </a:p>
+          <a:p>
+            <a:r>
+              <a:rPr lang="en-US" altLang="zh-CN" sz="2800" dirty="0"/>
+              <a:t>ES6 </a:t>
+            </a:r>
+            <a:r>
+              <a:rPr lang="zh-CN" altLang="en-US" sz="2800" dirty="0"/>
+              <a:t>允许在块级作用域之中声明函数。块级作用域之中，函数声明语句的行为类似于</a:t>
+            </a:r>
+            <a:r>
+              <a:rPr lang="en-US" altLang="zh-CN" sz="2800" dirty="0"/>
+              <a:t>let</a:t>
+            </a:r>
+            <a:r>
+              <a:rPr lang="zh-CN" altLang="en-US" sz="2800" dirty="0"/>
+              <a:t>，在块级作用域之外不可引用</a:t>
+            </a:r>
+            <a:endParaRPr lang="en-US" altLang="zh-CN" sz="2800" dirty="0"/>
+          </a:p>
+          <a:p>
+            <a:pPr lvl="1"/>
+            <a:r>
+              <a:rPr lang="zh-CN" altLang="en-US" sz="2400" dirty="0"/>
+              <a:t>注：此项在不同浏览器中存在不同解释方式</a:t>
+            </a:r>
+          </a:p>
+        </p:txBody>
+      </p:sp>
+      <p:pic>
+        <p:nvPicPr>
+          <p:cNvPr id="5" name="图片 4"/>
+          <p:cNvPicPr>
+            <a:picLocks noChangeAspect="1"/>
+          </p:cNvPicPr>
+          <p:nvPr/>
+        </p:nvPicPr>
+        <p:blipFill>
+          <a:blip r:embed="rId2"/>
+          <a:stretch>
+            <a:fillRect/>
+          </a:stretch>
+        </p:blipFill>
+        <p:spPr>
+          <a:xfrm>
+            <a:off x="3215680" y="4293096"/>
+            <a:ext cx="5162550" cy="2352675"/>
+          </a:xfrm>
+          <a:prstGeom prst="rect">
+            <a:avLst/>
+          </a:prstGeom>
+          <a:ln>
+            <a:noFill/>
+          </a:ln>
+          <a:effectLst>
+            <a:outerShdw blurRad="292100" dist="139700" dir="2700000" algn="tl" rotWithShape="0">
+              <a:srgbClr val="333333">
+                <a:alpha val="65000"/>
+              </a:srgbClr>
+            </a:outerShdw>
+          </a:effectLst>
+        </p:spPr>
+      </p:pic>
+    </p:spTree>
+    <p:extLst>
+      <p:ext uri="{BB962C8B-B14F-4D97-AF65-F5344CB8AC3E}">
+        <p14:creationId xmlns:p14="http://schemas.microsoft.com/office/powerpoint/2010/main" val="4233860272"/>
+      </p:ext>
+    </p:extLst>
+  </p:cSld>
+  <p:clrMapOvr>
+    <a:masterClrMapping/>
+  </p:clrMapOvr>
+</p:sld>
+</file>
+
+<file path=ppt/slides/slide13.xml><?xml version="1.0" encoding="utf-8"?>
+<p:sld xmlns:a="http://schemas.openxmlformats.org/drawingml/2006/main" xmlns:r="http://schemas.openxmlformats.org/officeDocument/2006/relationships" xmlns:p="http://schemas.openxmlformats.org/presentationml/2006/main">
+  <p:cSld>
+    <p:spTree>
+      <p:nvGrpSpPr>
+        <p:cNvPr id="1" name=""/>
+        <p:cNvGrpSpPr/>
+        <p:nvPr/>
+      </p:nvGrpSpPr>
+      <p:grpSpPr>
+        <a:xfrm>
+          <a:off x="0" y="0"/>
+          <a:ext cx="0" cy="0"/>
+          <a:chOff x="0" y="0"/>
+          <a:chExt cx="0" cy="0"/>
+        </a:xfrm>
+      </p:grpSpPr>
+      <p:sp>
+        <p:nvSpPr>
+          <p:cNvPr id="2" name="标题 1"/>
+          <p:cNvSpPr>
+            <a:spLocks noGrp="1"/>
+          </p:cNvSpPr>
+          <p:nvPr>
+            <p:ph type="title"/>
+          </p:nvPr>
+        </p:nvSpPr>
+        <p:spPr/>
+        <p:txBody>
+          <a:bodyPr/>
+          <a:lstStyle/>
+          <a:p>
+            <a:r>
+              <a:rPr lang="en-US" altLang="zh-CN" dirty="0" err="1"/>
+              <a:t>const</a:t>
+            </a:r>
+            <a:r>
+              <a:rPr lang="zh-CN" altLang="en-US" dirty="0"/>
+              <a:t>命令</a:t>
+            </a:r>
+          </a:p>
+        </p:txBody>
+      </p:sp>
+      <p:sp>
+        <p:nvSpPr>
+          <p:cNvPr id="3" name="内容占位符 2"/>
+          <p:cNvSpPr>
+            <a:spLocks noGrp="1"/>
+          </p:cNvSpPr>
+          <p:nvPr>
+            <p:ph idx="1"/>
+          </p:nvPr>
+        </p:nvSpPr>
+        <p:spPr/>
+        <p:txBody>
+          <a:bodyPr>
+            <a:normAutofit fontScale="92500" lnSpcReduction="20000"/>
+          </a:bodyPr>
+          <a:lstStyle/>
+          <a:p>
+            <a:r>
+              <a:rPr lang="en-US" altLang="zh-CN" dirty="0" err="1"/>
+              <a:t>const</a:t>
+            </a:r>
+            <a:r>
+              <a:rPr lang="zh-CN" altLang="en-US" dirty="0"/>
+              <a:t>声明一个常量。一旦声明，常量的值就不能改变</a:t>
+            </a:r>
+            <a:endParaRPr lang="en-US" altLang="zh-CN" dirty="0"/>
+          </a:p>
+          <a:p>
+            <a:r>
+              <a:rPr lang="en-US" altLang="zh-CN" dirty="0" err="1"/>
+              <a:t>const</a:t>
+            </a:r>
+            <a:r>
+              <a:rPr lang="zh-CN" altLang="en-US" dirty="0"/>
+              <a:t>一旦声明，就必须立即初始化，不能留到以后赋值</a:t>
+            </a:r>
+            <a:endParaRPr lang="en-US" altLang="zh-CN" dirty="0"/>
+          </a:p>
+          <a:p>
+            <a:r>
+              <a:rPr lang="en-US" altLang="zh-CN" dirty="0" err="1"/>
+              <a:t>const</a:t>
+            </a:r>
+            <a:r>
+              <a:rPr lang="zh-CN" altLang="en-US" dirty="0"/>
+              <a:t>的作用域与</a:t>
+            </a:r>
+            <a:r>
+              <a:rPr lang="en-US" altLang="zh-CN" dirty="0"/>
+              <a:t>let</a:t>
+            </a:r>
+            <a:r>
+              <a:rPr lang="zh-CN" altLang="en-US" dirty="0"/>
+              <a:t>命令相同：只在声明所在的块级作用域内有效</a:t>
+            </a:r>
+            <a:endParaRPr lang="en-US" altLang="zh-CN" dirty="0"/>
+          </a:p>
+          <a:p>
+            <a:r>
+              <a:rPr lang="en-US" altLang="zh-CN" dirty="0" err="1"/>
+              <a:t>const</a:t>
+            </a:r>
+            <a:r>
+              <a:rPr lang="zh-CN" altLang="en-US" dirty="0"/>
+              <a:t>实际上保证的，并不是变量的值不得改动，而是变量指向的那个内存地址不得改动</a:t>
+            </a:r>
+            <a:endParaRPr lang="en-US" altLang="zh-CN" dirty="0"/>
+          </a:p>
+          <a:p>
+            <a:pPr lvl="1"/>
+            <a:r>
+              <a:rPr lang="zh-CN" altLang="en-US" dirty="0"/>
+              <a:t>对于简单类型的数据（数值、字符串、布尔值），值就保存在变量指向的那个内存地址，因此等同于常量</a:t>
+            </a:r>
+            <a:endParaRPr lang="en-US" altLang="zh-CN" dirty="0"/>
+          </a:p>
+          <a:p>
+            <a:pPr lvl="1"/>
+            <a:r>
+              <a:rPr lang="zh-CN" altLang="en-US" dirty="0"/>
+              <a:t>对于复合类型的数据（主要是对象和数组），变量指向的内存地址，保存的只是一个指针，</a:t>
+            </a:r>
+            <a:r>
+              <a:rPr lang="en-US" altLang="zh-CN" dirty="0" err="1"/>
+              <a:t>const</a:t>
+            </a:r>
+            <a:r>
+              <a:rPr lang="zh-CN" altLang="en-US" dirty="0"/>
+              <a:t>只能保证这个指针是固定的，至于它指向的数据结构是不是可变的，就完全不能控制了</a:t>
+            </a:r>
+          </a:p>
+        </p:txBody>
+      </p:sp>
+    </p:spTree>
+    <p:extLst>
+      <p:ext uri="{BB962C8B-B14F-4D97-AF65-F5344CB8AC3E}">
+        <p14:creationId xmlns:p14="http://schemas.microsoft.com/office/powerpoint/2010/main" val="3565180705"/>
+      </p:ext>
+    </p:extLst>
+  </p:cSld>
+  <p:clrMapOvr>
+    <a:masterClrMapping/>
+  </p:clrMapOvr>
+</p:sld>
+</file>
+
+<file path=ppt/slides/slide14.xml><?xml version="1.0" encoding="utf-8"?>
+<p:sld xmlns:a="http://schemas.openxmlformats.org/drawingml/2006/main" xmlns:r="http://schemas.openxmlformats.org/officeDocument/2006/relationships" xmlns:p="http://schemas.openxmlformats.org/presentationml/2006/main">
+  <p:cSld>
+    <p:spTree>
+      <p:nvGrpSpPr>
+        <p:cNvPr id="1" name=""/>
+        <p:cNvGrpSpPr/>
+        <p:nvPr/>
+      </p:nvGrpSpPr>
+      <p:grpSpPr>
+        <a:xfrm>
+          <a:off x="0" y="0"/>
+          <a:ext cx="0" cy="0"/>
+          <a:chOff x="0" y="0"/>
+          <a:chExt cx="0" cy="0"/>
+        </a:xfrm>
+      </p:grpSpPr>
+      <p:sp>
+        <p:nvSpPr>
+          <p:cNvPr id="2" name="标题 1"/>
+          <p:cNvSpPr>
+            <a:spLocks noGrp="1"/>
+          </p:cNvSpPr>
+          <p:nvPr>
+            <p:ph type="title"/>
+          </p:nvPr>
+        </p:nvSpPr>
+        <p:spPr/>
+        <p:txBody>
+          <a:bodyPr/>
+          <a:lstStyle/>
+          <a:p>
+            <a:r>
+              <a:rPr lang="zh-CN" altLang="en-US" dirty="0"/>
+              <a:t>顶层对象的属性</a:t>
+            </a:r>
+          </a:p>
+        </p:txBody>
+      </p:sp>
+      <p:sp>
+        <p:nvSpPr>
+          <p:cNvPr id="3" name="内容占位符 2"/>
+          <p:cNvSpPr>
+            <a:spLocks noGrp="1"/>
+          </p:cNvSpPr>
+          <p:nvPr>
+            <p:ph idx="1"/>
+          </p:nvPr>
+        </p:nvSpPr>
+        <p:spPr/>
+        <p:txBody>
+          <a:bodyPr/>
+          <a:lstStyle/>
+          <a:p>
+            <a:r>
+              <a:rPr lang="zh-CN" altLang="en-US" dirty="0"/>
+              <a:t>顶层对象，在浏览器环境指的是</a:t>
+            </a:r>
+            <a:r>
+              <a:rPr lang="en-US" altLang="zh-CN" dirty="0"/>
+              <a:t>window</a:t>
+            </a:r>
+            <a:r>
+              <a:rPr lang="zh-CN" altLang="en-US" dirty="0"/>
+              <a:t>对象，在</a:t>
+            </a:r>
+            <a:r>
+              <a:rPr lang="en-US" altLang="zh-CN" dirty="0"/>
+              <a:t>Node</a:t>
+            </a:r>
+            <a:r>
+              <a:rPr lang="zh-CN" altLang="en-US" dirty="0"/>
+              <a:t>指的是</a:t>
+            </a:r>
+            <a:r>
+              <a:rPr lang="en-US" altLang="zh-CN" dirty="0"/>
+              <a:t>global</a:t>
+            </a:r>
+            <a:r>
+              <a:rPr lang="zh-CN" altLang="en-US" dirty="0"/>
+              <a:t>对象</a:t>
+            </a:r>
+            <a:endParaRPr lang="en-US" altLang="zh-CN" dirty="0"/>
+          </a:p>
+          <a:p>
+            <a:r>
+              <a:rPr lang="zh-CN" altLang="en-US" dirty="0"/>
+              <a:t>在</a:t>
+            </a:r>
+            <a:r>
+              <a:rPr lang="en-US" altLang="zh-CN" dirty="0"/>
+              <a:t>ES6</a:t>
+            </a:r>
+            <a:r>
+              <a:rPr lang="zh-CN" altLang="en-US" dirty="0"/>
+              <a:t>中</a:t>
+            </a:r>
+            <a:endParaRPr lang="en-US" altLang="zh-CN" dirty="0"/>
+          </a:p>
+          <a:p>
+            <a:pPr lvl="1"/>
+            <a:r>
+              <a:rPr lang="en-US" altLang="zh-CN" dirty="0" err="1"/>
+              <a:t>var</a:t>
+            </a:r>
+            <a:r>
+              <a:rPr lang="zh-CN" altLang="en-US" dirty="0"/>
+              <a:t>命令和</a:t>
+            </a:r>
+            <a:r>
+              <a:rPr lang="en-US" altLang="zh-CN" dirty="0"/>
+              <a:t>function</a:t>
+            </a:r>
+            <a:r>
+              <a:rPr lang="zh-CN" altLang="en-US" dirty="0"/>
+              <a:t>命令声明的全局变量，依旧是顶层对象的属性（与</a:t>
+            </a:r>
+            <a:r>
+              <a:rPr lang="en-US" altLang="zh-CN" dirty="0"/>
+              <a:t>ES5</a:t>
+            </a:r>
+            <a:r>
+              <a:rPr lang="zh-CN" altLang="en-US" dirty="0"/>
+              <a:t>兼容）</a:t>
+            </a:r>
+            <a:endParaRPr lang="en-US" altLang="zh-CN" dirty="0"/>
+          </a:p>
+          <a:p>
+            <a:pPr lvl="1"/>
+            <a:r>
+              <a:rPr lang="en-US" altLang="zh-CN" dirty="0"/>
+              <a:t>let</a:t>
+            </a:r>
+            <a:r>
+              <a:rPr lang="zh-CN" altLang="en-US" dirty="0"/>
+              <a:t>命令、</a:t>
+            </a:r>
+            <a:r>
+              <a:rPr lang="en-US" altLang="zh-CN" dirty="0" err="1"/>
+              <a:t>const</a:t>
+            </a:r>
+            <a:r>
+              <a:rPr lang="zh-CN" altLang="en-US" dirty="0"/>
+              <a:t>命令、</a:t>
+            </a:r>
+            <a:r>
+              <a:rPr lang="en-US" altLang="zh-CN" dirty="0"/>
+              <a:t>class</a:t>
+            </a:r>
+            <a:r>
+              <a:rPr lang="zh-CN" altLang="en-US" dirty="0"/>
+              <a:t>命令声明的全局变量，不属于顶层对象的属性</a:t>
+            </a:r>
+          </a:p>
+        </p:txBody>
+      </p:sp>
+      <p:pic>
+        <p:nvPicPr>
+          <p:cNvPr id="5" name="图片 4"/>
+          <p:cNvPicPr>
+            <a:picLocks noChangeAspect="1"/>
+          </p:cNvPicPr>
+          <p:nvPr/>
+        </p:nvPicPr>
+        <p:blipFill>
+          <a:blip r:embed="rId2"/>
+          <a:stretch>
+            <a:fillRect/>
+          </a:stretch>
+        </p:blipFill>
+        <p:spPr>
+          <a:xfrm>
+            <a:off x="3647728" y="4653136"/>
+            <a:ext cx="3888432" cy="1872616"/>
+          </a:xfrm>
+          <a:prstGeom prst="rect">
+            <a:avLst/>
+          </a:prstGeom>
+          <a:ln>
+            <a:noFill/>
+          </a:ln>
+          <a:effectLst>
+            <a:outerShdw blurRad="292100" dist="139700" dir="2700000" algn="tl" rotWithShape="0">
+              <a:srgbClr val="333333">
+                <a:alpha val="65000"/>
+              </a:srgbClr>
+            </a:outerShdw>
+          </a:effectLst>
+        </p:spPr>
+      </p:pic>
+    </p:spTree>
+    <p:extLst>
+      <p:ext uri="{BB962C8B-B14F-4D97-AF65-F5344CB8AC3E}">
+        <p14:creationId xmlns:p14="http://schemas.microsoft.com/office/powerpoint/2010/main" val="117024119"/>
+      </p:ext>
+    </p:extLst>
+  </p:cSld>
+  <p:clrMapOvr>
+    <a:masterClrMapping/>
+  </p:clrMapOvr>
+</p:sld>
+</file>
+
+<file path=ppt/slides/slide15.xml><?xml version="1.0" encoding="utf-8"?>
+<p:sld xmlns:a="http://schemas.openxmlformats.org/drawingml/2006/main" xmlns:r="http://schemas.openxmlformats.org/officeDocument/2006/relationships" xmlns:p="http://schemas.openxmlformats.org/presentationml/2006/main">
+  <p:cSld>
+    <p:spTree>
+      <p:nvGrpSpPr>
+        <p:cNvPr id="1" name=""/>
+        <p:cNvGrpSpPr/>
+        <p:nvPr/>
+      </p:nvGrpSpPr>
+      <p:grpSpPr>
+        <a:xfrm>
+          <a:off x="0" y="0"/>
+          <a:ext cx="0" cy="0"/>
+          <a:chOff x="0" y="0"/>
+          <a:chExt cx="0" cy="0"/>
+        </a:xfrm>
+      </p:grpSpPr>
+      <p:sp>
+        <p:nvSpPr>
+          <p:cNvPr id="5" name="副标题 4"/>
+          <p:cNvSpPr>
+            <a:spLocks noGrp="1"/>
+          </p:cNvSpPr>
+          <p:nvPr>
+            <p:ph type="subTitle" idx="1"/>
+          </p:nvPr>
+        </p:nvSpPr>
+        <p:spPr/>
+        <p:txBody>
+          <a:bodyPr/>
+          <a:lstStyle/>
+          <a:p>
+            <a:endParaRPr lang="zh-CN" altLang="en-US"/>
+          </a:p>
+        </p:txBody>
+      </p:sp>
+      <p:sp>
+        <p:nvSpPr>
+          <p:cNvPr id="4" name="标题 3"/>
+          <p:cNvSpPr>
+            <a:spLocks noGrp="1"/>
+          </p:cNvSpPr>
+          <p:nvPr>
+            <p:ph type="ctrTitle"/>
+          </p:nvPr>
+        </p:nvSpPr>
+        <p:spPr/>
+        <p:txBody>
+          <a:bodyPr/>
+          <a:lstStyle/>
+          <a:p>
+            <a:r>
+              <a:rPr lang="zh-CN" altLang="en-US" dirty="0"/>
+              <a:t>变量的解构赋值</a:t>
+            </a:r>
+          </a:p>
+        </p:txBody>
+      </p:sp>
+    </p:spTree>
+    <p:extLst>
+      <p:ext uri="{BB962C8B-B14F-4D97-AF65-F5344CB8AC3E}">
+        <p14:creationId xmlns:p14="http://schemas.microsoft.com/office/powerpoint/2010/main" val="2924044779"/>
+      </p:ext>
+    </p:extLst>
+  </p:cSld>
+  <p:clrMapOvr>
+    <a:masterClrMapping/>
+  </p:clrMapOvr>
+</p:sld>
+</file>
+
+<file path=ppt/slides/slide16.xml><?xml version="1.0" encoding="utf-8"?>
+<p:sld xmlns:a="http://schemas.openxmlformats.org/drawingml/2006/main" xmlns:r="http://schemas.openxmlformats.org/officeDocument/2006/relationships" xmlns:p="http://schemas.openxmlformats.org/presentationml/2006/main">
+  <p:cSld>
+    <p:spTree>
+      <p:nvGrpSpPr>
+        <p:cNvPr id="1" name=""/>
+        <p:cNvGrpSpPr/>
+        <p:nvPr/>
+      </p:nvGrpSpPr>
+      <p:grpSpPr>
+        <a:xfrm>
+          <a:off x="0" y="0"/>
+          <a:ext cx="0" cy="0"/>
+          <a:chOff x="0" y="0"/>
+          <a:chExt cx="0" cy="0"/>
+        </a:xfrm>
+      </p:grpSpPr>
+      <p:sp>
+        <p:nvSpPr>
+          <p:cNvPr id="2" name="标题 1"/>
+          <p:cNvSpPr>
+            <a:spLocks noGrp="1"/>
+          </p:cNvSpPr>
+          <p:nvPr>
+            <p:ph type="title"/>
+          </p:nvPr>
+        </p:nvSpPr>
+        <p:spPr/>
+        <p:txBody>
+          <a:bodyPr/>
+          <a:lstStyle/>
+          <a:p>
+            <a:r>
+              <a:rPr lang="zh-CN" altLang="en-US" dirty="0"/>
+              <a:t>数组的解构赋值</a:t>
+            </a:r>
+          </a:p>
+        </p:txBody>
+      </p:sp>
+      <p:sp>
+        <p:nvSpPr>
+          <p:cNvPr id="3" name="内容占位符 2"/>
+          <p:cNvSpPr>
+            <a:spLocks noGrp="1"/>
+          </p:cNvSpPr>
+          <p:nvPr>
+            <p:ph idx="1"/>
+          </p:nvPr>
+        </p:nvSpPr>
+        <p:spPr/>
+        <p:txBody>
+          <a:bodyPr/>
+          <a:lstStyle/>
+          <a:p>
+            <a:r>
+              <a:rPr lang="en-US" altLang="zh-CN" dirty="0"/>
+              <a:t>ES6 </a:t>
+            </a:r>
+            <a:r>
+              <a:rPr lang="zh-CN" altLang="en-US" dirty="0"/>
+              <a:t>允许按照一定模式，从数组和对象中提取值，对变量进行赋值，这被称为解构（</a:t>
+            </a:r>
+            <a:r>
+              <a:rPr lang="en-US" altLang="zh-CN" dirty="0" err="1"/>
+              <a:t>Destructuring</a:t>
+            </a:r>
+            <a:r>
+              <a:rPr lang="zh-CN" altLang="en-US" dirty="0"/>
+              <a:t>）</a:t>
+            </a:r>
+          </a:p>
+        </p:txBody>
+      </p:sp>
+    </p:spTree>
+    <p:extLst>
+      <p:ext uri="{BB962C8B-B14F-4D97-AF65-F5344CB8AC3E}">
+        <p14:creationId xmlns:p14="http://schemas.microsoft.com/office/powerpoint/2010/main" val="317023741"/>
       </p:ext>
     </p:extLst>
   </p:cSld>
@@ -21484,6 +22528,89 @@
       </p:grpSpPr>
       <p:sp>
         <p:nvSpPr>
+          <p:cNvPr id="5" name="副标题 4"/>
+          <p:cNvSpPr>
+            <a:spLocks noGrp="1"/>
+          </p:cNvSpPr>
+          <p:nvPr>
+            <p:ph type="subTitle" idx="1"/>
+          </p:nvPr>
+        </p:nvSpPr>
+        <p:spPr/>
+        <p:txBody>
+          <a:bodyPr/>
+          <a:lstStyle/>
+          <a:p>
+            <a:endParaRPr lang="zh-CN" altLang="en-US"/>
+          </a:p>
+        </p:txBody>
+      </p:sp>
+      <p:sp>
+        <p:nvSpPr>
+          <p:cNvPr id="4" name="标题 3"/>
+          <p:cNvSpPr>
+            <a:spLocks noGrp="1"/>
+          </p:cNvSpPr>
+          <p:nvPr>
+            <p:ph type="ctrTitle"/>
+          </p:nvPr>
+        </p:nvSpPr>
+        <p:spPr/>
+        <p:txBody>
+          <a:bodyPr/>
+          <a:lstStyle/>
+          <a:p>
+            <a:r>
+              <a:rPr lang="en-US" altLang="zh-CN" dirty="0"/>
+              <a:t>let</a:t>
+            </a:r>
+            <a:r>
+              <a:rPr lang="zh-CN" altLang="en-US" dirty="0"/>
+              <a:t>和</a:t>
+            </a:r>
+            <a:r>
+              <a:rPr lang="en-US" altLang="zh-CN" dirty="0" err="1"/>
+              <a:t>const</a:t>
+            </a:r>
+            <a:r>
+              <a:rPr lang="zh-CN" altLang="en-US" dirty="0"/>
+              <a:t>命令</a:t>
+            </a:r>
+          </a:p>
+        </p:txBody>
+      </p:sp>
+    </p:spTree>
+    <p:extLst>
+      <p:ext uri="{BB962C8B-B14F-4D97-AF65-F5344CB8AC3E}">
+        <p14:creationId xmlns:p14="http://schemas.microsoft.com/office/powerpoint/2010/main" val="1632823472"/>
+      </p:ext>
+    </p:extLst>
+  </p:cSld>
+  <p:clrMapOvr>
+    <a:masterClrMapping/>
+  </p:clrMapOvr>
+</p:sld>
+</file>
+
+<file path=ppt/slides/slide8.xml><?xml version="1.0" encoding="utf-8"?>
+<p:sld xmlns:a="http://schemas.openxmlformats.org/drawingml/2006/main" xmlns:r="http://schemas.openxmlformats.org/officeDocument/2006/relationships" xmlns:p="http://schemas.openxmlformats.org/presentationml/2006/main">
+  <p:cSld>
+    <p:spTree>
+      <p:nvGrpSpPr>
+        <p:cNvPr id="1" name=""/>
+        <p:cNvGrpSpPr/>
+        <p:nvPr/>
+      </p:nvGrpSpPr>
+      <p:grpSpPr>
+        <a:xfrm>
+          <a:off x="0" y="0"/>
+          <a:ext cx="0" cy="0"/>
+          <a:chOff x="0" y="0"/>
+          <a:chExt cx="0" cy="0"/>
+        </a:xfrm>
+      </p:grpSpPr>
+      <p:sp>
+        <p:nvSpPr>
           <p:cNvPr id="2" name="标题 1"/>
           <p:cNvSpPr>
             <a:spLocks noGrp="1"/>
@@ -21497,7 +22624,14 @@
           <a:bodyPr/>
           <a:lstStyle/>
           <a:p>
-            <a:endParaRPr lang="zh-CN" altLang="en-US"/>
+            <a:r>
+              <a:rPr lang="en-US" altLang="zh-CN" dirty="0"/>
+              <a:t>let</a:t>
+            </a:r>
+            <a:r>
+              <a:rPr lang="zh-CN" altLang="en-US" dirty="0"/>
+              <a:t>命令</a:t>
+            </a:r>
           </a:p>
         </p:txBody>
       </p:sp>
@@ -21516,14 +22650,280 @@
           <a:bodyPr/>
           <a:lstStyle/>
           <a:p>
-            <a:endParaRPr lang="zh-CN" altLang="en-US"/>
+            <a:r>
+              <a:rPr lang="zh-CN" altLang="en-US" dirty="0"/>
+              <a:t>基本用法</a:t>
+            </a:r>
+            <a:endParaRPr lang="en-US" altLang="zh-CN" dirty="0"/>
+          </a:p>
+          <a:p>
+            <a:pPr lvl="1"/>
+            <a:r>
+              <a:rPr lang="en-US" altLang="zh-CN" dirty="0" err="1"/>
+              <a:t>var</a:t>
+            </a:r>
+            <a:r>
+              <a:rPr lang="zh-CN" altLang="en-US" dirty="0"/>
+              <a:t>声明的变量为全局变量</a:t>
+            </a:r>
+            <a:endParaRPr lang="en-US" altLang="zh-CN" dirty="0"/>
+          </a:p>
+          <a:p>
+            <a:pPr lvl="1"/>
+            <a:r>
+              <a:rPr lang="en-US" altLang="zh-CN" dirty="0"/>
+              <a:t>let</a:t>
+            </a:r>
+            <a:r>
+              <a:rPr lang="zh-CN" altLang="en-US" dirty="0"/>
+              <a:t>声明的变量只在</a:t>
+            </a:r>
+            <a:r>
+              <a:rPr lang="en-US" altLang="zh-CN" dirty="0"/>
+              <a:t>let</a:t>
+            </a:r>
+            <a:r>
+              <a:rPr lang="zh-CN" altLang="en-US" dirty="0"/>
+              <a:t>命令所在的代码块内有效</a:t>
+            </a:r>
           </a:p>
         </p:txBody>
       </p:sp>
+      <p:pic>
+        <p:nvPicPr>
+          <p:cNvPr id="6" name="图片 5"/>
+          <p:cNvPicPr>
+            <a:picLocks noChangeAspect="1"/>
+          </p:cNvPicPr>
+          <p:nvPr/>
+        </p:nvPicPr>
+        <p:blipFill>
+          <a:blip r:embed="rId2"/>
+          <a:stretch>
+            <a:fillRect/>
+          </a:stretch>
+        </p:blipFill>
+        <p:spPr>
+          <a:xfrm>
+            <a:off x="6168008" y="4305130"/>
+            <a:ext cx="4633110" cy="1867074"/>
+          </a:xfrm>
+          <a:prstGeom prst="rect">
+            <a:avLst/>
+          </a:prstGeom>
+          <a:ln>
+            <a:noFill/>
+          </a:ln>
+          <a:effectLst>
+            <a:outerShdw blurRad="292100" dist="139700" dir="2700000" algn="tl" rotWithShape="0">
+              <a:srgbClr val="333333">
+                <a:alpha val="65000"/>
+              </a:srgbClr>
+            </a:outerShdw>
+          </a:effectLst>
+        </p:spPr>
+      </p:pic>
+      <p:pic>
+        <p:nvPicPr>
+          <p:cNvPr id="7" name="图片 6"/>
+          <p:cNvPicPr>
+            <a:picLocks noChangeAspect="1"/>
+          </p:cNvPicPr>
+          <p:nvPr/>
+        </p:nvPicPr>
+        <p:blipFill>
+          <a:blip r:embed="rId3"/>
+          <a:stretch>
+            <a:fillRect/>
+          </a:stretch>
+        </p:blipFill>
+        <p:spPr>
+          <a:xfrm>
+            <a:off x="1271463" y="3212975"/>
+            <a:ext cx="4104737" cy="2959229"/>
+          </a:xfrm>
+          <a:prstGeom prst="rect">
+            <a:avLst/>
+          </a:prstGeom>
+          <a:ln>
+            <a:noFill/>
+          </a:ln>
+          <a:effectLst>
+            <a:outerShdw blurRad="292100" dist="139700" dir="2700000" algn="tl" rotWithShape="0">
+              <a:srgbClr val="333333">
+                <a:alpha val="65000"/>
+              </a:srgbClr>
+            </a:outerShdw>
+          </a:effectLst>
+        </p:spPr>
+      </p:pic>
     </p:spTree>
     <p:extLst>
       <p:ext uri="{BB962C8B-B14F-4D97-AF65-F5344CB8AC3E}">
-        <p14:creationId xmlns:p14="http://schemas.microsoft.com/office/powerpoint/2010/main" val="1632823472"/>
+        <p14:creationId xmlns:p14="http://schemas.microsoft.com/office/powerpoint/2010/main" val="475947349"/>
+      </p:ext>
+    </p:extLst>
+  </p:cSld>
+  <p:clrMapOvr>
+    <a:masterClrMapping/>
+  </p:clrMapOvr>
+</p:sld>
+</file>
+
+<file path=ppt/slides/slide9.xml><?xml version="1.0" encoding="utf-8"?>
+<p:sld xmlns:a="http://schemas.openxmlformats.org/drawingml/2006/main" xmlns:r="http://schemas.openxmlformats.org/officeDocument/2006/relationships" xmlns:p="http://schemas.openxmlformats.org/presentationml/2006/main">
+  <p:cSld>
+    <p:spTree>
+      <p:nvGrpSpPr>
+        <p:cNvPr id="1" name=""/>
+        <p:cNvGrpSpPr/>
+        <p:nvPr/>
+      </p:nvGrpSpPr>
+      <p:grpSpPr>
+        <a:xfrm>
+          <a:off x="0" y="0"/>
+          <a:ext cx="0" cy="0"/>
+          <a:chOff x="0" y="0"/>
+          <a:chExt cx="0" cy="0"/>
+        </a:xfrm>
+      </p:grpSpPr>
+      <p:sp>
+        <p:nvSpPr>
+          <p:cNvPr id="2" name="标题 1"/>
+          <p:cNvSpPr>
+            <a:spLocks noGrp="1"/>
+          </p:cNvSpPr>
+          <p:nvPr>
+            <p:ph type="title"/>
+          </p:nvPr>
+        </p:nvSpPr>
+        <p:spPr/>
+        <p:txBody>
+          <a:bodyPr/>
+          <a:lstStyle/>
+          <a:p>
+            <a:r>
+              <a:rPr lang="en-US" altLang="zh-CN" dirty="0"/>
+              <a:t>let</a:t>
+            </a:r>
+            <a:r>
+              <a:rPr lang="zh-CN" altLang="en-US" dirty="0"/>
+              <a:t>命令</a:t>
+            </a:r>
+          </a:p>
+        </p:txBody>
+      </p:sp>
+      <p:sp>
+        <p:nvSpPr>
+          <p:cNvPr id="3" name="内容占位符 2"/>
+          <p:cNvSpPr>
+            <a:spLocks noGrp="1"/>
+          </p:cNvSpPr>
+          <p:nvPr>
+            <p:ph idx="1"/>
+          </p:nvPr>
+        </p:nvSpPr>
+        <p:spPr/>
+        <p:txBody>
+          <a:bodyPr/>
+          <a:lstStyle/>
+          <a:p>
+            <a:r>
+              <a:rPr lang="zh-CN" altLang="en-US" dirty="0"/>
+              <a:t>不存在变量提升</a:t>
+            </a:r>
+            <a:endParaRPr lang="en-US" altLang="zh-CN" dirty="0"/>
+          </a:p>
+          <a:p>
+            <a:pPr lvl="1"/>
+            <a:r>
+              <a:rPr lang="en-US" altLang="zh-CN" dirty="0" err="1"/>
+              <a:t>var</a:t>
+            </a:r>
+            <a:r>
+              <a:rPr lang="zh-CN" altLang="en-US" dirty="0"/>
+              <a:t>命令会发生”变量提升“现象，即变量可以在声明之前使用，值为</a:t>
+            </a:r>
+            <a:r>
+              <a:rPr lang="en-US" altLang="zh-CN" dirty="0"/>
+              <a:t>undefined</a:t>
+            </a:r>
+          </a:p>
+          <a:p>
+            <a:pPr lvl="1"/>
+            <a:r>
+              <a:rPr lang="en-US" altLang="zh-CN" dirty="0"/>
+              <a:t>let</a:t>
+            </a:r>
+            <a:r>
+              <a:rPr lang="zh-CN" altLang="en-US" dirty="0"/>
+              <a:t>命令所声明的变量一定要在声明后使用，否则报错</a:t>
+            </a:r>
+          </a:p>
+        </p:txBody>
+      </p:sp>
+      <p:pic>
+        <p:nvPicPr>
+          <p:cNvPr id="4" name="图片 3"/>
+          <p:cNvPicPr>
+            <a:picLocks noChangeAspect="1"/>
+          </p:cNvPicPr>
+          <p:nvPr/>
+        </p:nvPicPr>
+        <p:blipFill>
+          <a:blip r:embed="rId2"/>
+          <a:stretch>
+            <a:fillRect/>
+          </a:stretch>
+        </p:blipFill>
+        <p:spPr>
+          <a:xfrm>
+            <a:off x="1919536" y="3588217"/>
+            <a:ext cx="3281349" cy="2559918"/>
+          </a:xfrm>
+          <a:prstGeom prst="rect">
+            <a:avLst/>
+          </a:prstGeom>
+          <a:ln>
+            <a:noFill/>
+          </a:ln>
+          <a:effectLst>
+            <a:outerShdw blurRad="292100" dist="139700" dir="2700000" algn="tl" rotWithShape="0">
+              <a:srgbClr val="333333">
+                <a:alpha val="65000"/>
+              </a:srgbClr>
+            </a:outerShdw>
+          </a:effectLst>
+        </p:spPr>
+      </p:pic>
+      <p:pic>
+        <p:nvPicPr>
+          <p:cNvPr id="5" name="图片 4"/>
+          <p:cNvPicPr>
+            <a:picLocks noChangeAspect="1"/>
+          </p:cNvPicPr>
+          <p:nvPr/>
+        </p:nvPicPr>
+        <p:blipFill>
+          <a:blip r:embed="rId3"/>
+          <a:stretch>
+            <a:fillRect/>
+          </a:stretch>
+        </p:blipFill>
+        <p:spPr>
+          <a:xfrm>
+            <a:off x="6096000" y="4922917"/>
+            <a:ext cx="4255387" cy="1249288"/>
+          </a:xfrm>
+          <a:prstGeom prst="rect">
+            <a:avLst/>
+          </a:prstGeom>
+        </p:spPr>
+      </p:pic>
+    </p:spTree>
+    <p:extLst>
+      <p:ext uri="{BB962C8B-B14F-4D97-AF65-F5344CB8AC3E}">
+        <p14:creationId xmlns:p14="http://schemas.microsoft.com/office/powerpoint/2010/main" val="512819382"/>
       </p:ext>
     </p:extLst>
   </p:cSld>
@@ -21781,7 +23181,7 @@
         <a:effectLst/>
         <a:extLst>
           <a:ext uri="{91240B29-F687-4f45-9708-019B960494DF}">
-            <a14:hiddenLine xmlns:a14="http://schemas.microsoft.com/office/drawing/2010/main" xmlns="" w="9525" cap="flat" cmpd="sng" algn="ctr">
+            <a14:hiddenLine xmlns="" xmlns:a14="http://schemas.microsoft.com/office/drawing/2010/main" w="9525" cap="flat" cmpd="sng" algn="ctr">
               <a:solidFill>
                 <a:schemeClr val="tx1"/>
               </a:solidFill>
@@ -21792,7 +23192,7 @@
             </a14:hiddenLine>
           </a:ext>
           <a:ext uri="{AF507438-7753-43e0-B8FC-AC1667EBCBE1}">
-            <a14:hiddenEffects xmlns:a14="http://schemas.microsoft.com/office/drawing/2010/main" xmlns="">
+            <a14:hiddenEffects xmlns="" xmlns:a14="http://schemas.microsoft.com/office/drawing/2010/main">
               <a:effectLst>
                 <a:outerShdw dist="35921" dir="2700000" algn="ctr" rotWithShape="0">
                   <a:schemeClr val="bg2"/>
@@ -21863,7 +23263,7 @@
         <a:effectLst/>
         <a:extLst>
           <a:ext uri="{91240B29-F687-4f45-9708-019B960494DF}">
-            <a14:hiddenLine xmlns:a14="http://schemas.microsoft.com/office/drawing/2010/main" xmlns="" w="9525" cap="flat" cmpd="sng" algn="ctr">
+            <a14:hiddenLine xmlns="" xmlns:a14="http://schemas.microsoft.com/office/drawing/2010/main" w="9525" cap="flat" cmpd="sng" algn="ctr">
               <a:solidFill>
                 <a:schemeClr val="tx1"/>
               </a:solidFill>
@@ -21874,7 +23274,7 @@
             </a14:hiddenLine>
           </a:ext>
           <a:ext uri="{AF507438-7753-43e0-B8FC-AC1667EBCBE1}">
-            <a14:hiddenEffects xmlns:a14="http://schemas.microsoft.com/office/drawing/2010/main" xmlns="">
+            <a14:hiddenEffects xmlns="" xmlns:a14="http://schemas.microsoft.com/office/drawing/2010/main">
               <a:effectLst>
                 <a:outerShdw dist="35921" dir="2700000" algn="ctr" rotWithShape="0">
                   <a:schemeClr val="bg2"/>
